--- a/meetings/2017-02-07/2017-02-07.pptx
+++ b/meetings/2017-02-07/2017-02-07.pptx
@@ -8,10 +8,25 @@
     <p:sldId id="256" r:id="rId2"/>
     <p:sldId id="257" r:id="rId3"/>
     <p:sldId id="258" r:id="rId4"/>
-    <p:sldId id="259" r:id="rId5"/>
+    <p:sldId id="271" r:id="rId5"/>
     <p:sldId id="260" r:id="rId6"/>
     <p:sldId id="262" r:id="rId7"/>
     <p:sldId id="261" r:id="rId8"/>
+    <p:sldId id="263" r:id="rId9"/>
+    <p:sldId id="274" r:id="rId10"/>
+    <p:sldId id="265" r:id="rId11"/>
+    <p:sldId id="269" r:id="rId12"/>
+    <p:sldId id="270" r:id="rId13"/>
+    <p:sldId id="272" r:id="rId14"/>
+    <p:sldId id="273" r:id="rId15"/>
+    <p:sldId id="275" r:id="rId16"/>
+    <p:sldId id="266" r:id="rId17"/>
+    <p:sldId id="267" r:id="rId18"/>
+    <p:sldId id="276" r:id="rId19"/>
+    <p:sldId id="277" r:id="rId20"/>
+    <p:sldId id="268" r:id="rId21"/>
+    <p:sldId id="278" r:id="rId22"/>
+    <p:sldId id="279" r:id="rId23"/>
   </p:sldIdLst>
   <p:sldSz cx="12192000" cy="6858000"/>
   <p:notesSz cx="6858000" cy="9144000"/>
@@ -6124,6 +6139,2081 @@
 </p:sld>
 </file>
 
+<file path=ppt/slides/slide10.xml><?xml version="1.0" encoding="utf-8"?>
+<p:sld xmlns:a="http://schemas.openxmlformats.org/drawingml/2006/main" xmlns:r="http://schemas.openxmlformats.org/officeDocument/2006/relationships" xmlns:p="http://schemas.openxmlformats.org/presentationml/2006/main">
+  <p:cSld>
+    <p:spTree>
+      <p:nvGrpSpPr>
+        <p:cNvPr id="1" name=""/>
+        <p:cNvGrpSpPr/>
+        <p:nvPr/>
+      </p:nvGrpSpPr>
+      <p:grpSpPr>
+        <a:xfrm>
+          <a:off x="0" y="0"/>
+          <a:ext cx="0" cy="0"/>
+          <a:chOff x="0" y="0"/>
+          <a:chExt cx="0" cy="0"/>
+        </a:xfrm>
+      </p:grpSpPr>
+      <p:sp>
+        <p:nvSpPr>
+          <p:cNvPr id="2" name="Title 1"/>
+          <p:cNvSpPr>
+            <a:spLocks noGrp="1"/>
+          </p:cNvSpPr>
+          <p:nvPr>
+            <p:ph type="title"/>
+          </p:nvPr>
+        </p:nvSpPr>
+        <p:spPr/>
+        <p:txBody>
+          <a:bodyPr/>
+          <a:lstStyle/>
+          <a:p>
+            <a:pPr algn="l"/>
+            <a:r>
+              <a:rPr lang="en-US" dirty="0"/>
+              <a:t>Transport Layer Security - Certificates</a:t>
+            </a:r>
+          </a:p>
+        </p:txBody>
+      </p:sp>
+      <p:sp>
+        <p:nvSpPr>
+          <p:cNvPr id="3" name="Content Placeholder 2"/>
+          <p:cNvSpPr>
+            <a:spLocks noGrp="1"/>
+          </p:cNvSpPr>
+          <p:nvPr>
+            <p:ph sz="half" idx="1"/>
+          </p:nvPr>
+        </p:nvSpPr>
+        <p:spPr/>
+        <p:txBody>
+          <a:bodyPr/>
+          <a:lstStyle/>
+          <a:p>
+            <a:r>
+              <a:rPr lang="en-US" dirty="0"/>
+              <a:t>A certificate is </a:t>
+            </a:r>
+            <a:r>
+              <a:rPr lang="en-US" i="1" dirty="0"/>
+              <a:t>not</a:t>
+            </a:r>
+            <a:r>
+              <a:rPr lang="en-US" dirty="0"/>
+              <a:t> used to secure a connection.</a:t>
+            </a:r>
+          </a:p>
+          <a:p>
+            <a:r>
+              <a:rPr lang="en-US" dirty="0"/>
+              <a:t>Used for </a:t>
+            </a:r>
+            <a:r>
+              <a:rPr lang="en-US" i="1" dirty="0"/>
+              <a:t>authentication</a:t>
+            </a:r>
+            <a:r>
+              <a:rPr lang="en-US" dirty="0"/>
+              <a:t>. Issued by CAs to prove ownership of the public key used to encrypt communications.</a:t>
+            </a:r>
+          </a:p>
+          <a:p>
+            <a:pPr lvl="1"/>
+            <a:r>
+              <a:rPr lang="en-US" dirty="0"/>
+              <a:t>“I’m Microsoft.com and this certificate issued by Symantec proves it.”</a:t>
+            </a:r>
+          </a:p>
+          <a:p>
+            <a:r>
+              <a:rPr lang="en-US" dirty="0"/>
+              <a:t>Public key used to create a secure connection in SSL/TLS enabled websites.</a:t>
+            </a:r>
+          </a:p>
+          <a:p>
+            <a:r>
+              <a:rPr lang="en-US" dirty="0"/>
+              <a:t>Browsers come installed with a suite of certificates that are trusted.</a:t>
+            </a:r>
+          </a:p>
+        </p:txBody>
+      </p:sp>
+      <p:pic>
+        <p:nvPicPr>
+          <p:cNvPr id="9" name="Content Placeholder 8"/>
+          <p:cNvPicPr>
+            <a:picLocks noGrp="1" noChangeAspect="1"/>
+          </p:cNvPicPr>
+          <p:nvPr>
+            <p:ph sz="half" idx="2"/>
+          </p:nvPr>
+        </p:nvPicPr>
+        <p:blipFill>
+          <a:blip r:embed="rId2">
+            <a:extLst>
+              <a:ext uri="{28A0092B-C50C-407E-A947-70E740481C1C}">
+                <a14:useLocalDpi xmlns:a14="http://schemas.microsoft.com/office/drawing/2010/main" val="0"/>
+              </a:ext>
+            </a:extLst>
+          </a:blip>
+          <a:stretch>
+            <a:fillRect/>
+          </a:stretch>
+        </p:blipFill>
+        <p:spPr>
+          <a:xfrm>
+            <a:off x="7109822" y="2136184"/>
+            <a:ext cx="3250794" cy="3250794"/>
+          </a:xfrm>
+        </p:spPr>
+      </p:pic>
+    </p:spTree>
+    <p:extLst>
+      <p:ext uri="{BB962C8B-B14F-4D97-AF65-F5344CB8AC3E}">
+        <p14:creationId xmlns:p14="http://schemas.microsoft.com/office/powerpoint/2010/main" val="1754461860"/>
+      </p:ext>
+    </p:extLst>
+  </p:cSld>
+  <p:clrMapOvr>
+    <a:masterClrMapping/>
+  </p:clrMapOvr>
+</p:sld>
+</file>
+
+<file path=ppt/slides/slide11.xml><?xml version="1.0" encoding="utf-8"?>
+<p:sld xmlns:a="http://schemas.openxmlformats.org/drawingml/2006/main" xmlns:r="http://schemas.openxmlformats.org/officeDocument/2006/relationships" xmlns:p="http://schemas.openxmlformats.org/presentationml/2006/main">
+  <p:cSld>
+    <p:spTree>
+      <p:nvGrpSpPr>
+        <p:cNvPr id="1" name=""/>
+        <p:cNvGrpSpPr/>
+        <p:nvPr/>
+      </p:nvGrpSpPr>
+      <p:grpSpPr>
+        <a:xfrm>
+          <a:off x="0" y="0"/>
+          <a:ext cx="0" cy="0"/>
+          <a:chOff x="0" y="0"/>
+          <a:chExt cx="0" cy="0"/>
+        </a:xfrm>
+      </p:grpSpPr>
+      <p:sp>
+        <p:nvSpPr>
+          <p:cNvPr id="2" name="Title 1"/>
+          <p:cNvSpPr>
+            <a:spLocks noGrp="1"/>
+          </p:cNvSpPr>
+          <p:nvPr>
+            <p:ph type="title"/>
+          </p:nvPr>
+        </p:nvSpPr>
+        <p:spPr/>
+        <p:txBody>
+          <a:bodyPr/>
+          <a:lstStyle/>
+          <a:p>
+            <a:pPr algn="l"/>
+            <a:r>
+              <a:rPr lang="en-US" dirty="0"/>
+              <a:t>What’s in a name?</a:t>
+            </a:r>
+          </a:p>
+        </p:txBody>
+      </p:sp>
+      <p:pic>
+        <p:nvPicPr>
+          <p:cNvPr id="5" name="Content Placeholder 4"/>
+          <p:cNvPicPr>
+            <a:picLocks noGrp="1" noChangeAspect="1"/>
+          </p:cNvPicPr>
+          <p:nvPr>
+            <p:ph sz="half" idx="1"/>
+          </p:nvPr>
+        </p:nvPicPr>
+        <p:blipFill>
+          <a:blip r:embed="rId2"/>
+          <a:stretch>
+            <a:fillRect/>
+          </a:stretch>
+        </p:blipFill>
+        <p:spPr>
+          <a:xfrm>
+            <a:off x="6305992" y="1649336"/>
+            <a:ext cx="4537819" cy="4827630"/>
+          </a:xfrm>
+          <a:prstGeom prst="rect">
+            <a:avLst/>
+          </a:prstGeom>
+        </p:spPr>
+      </p:pic>
+      <p:pic>
+        <p:nvPicPr>
+          <p:cNvPr id="6" name="Content Placeholder 6"/>
+          <p:cNvPicPr>
+            <a:picLocks noGrp="1" noChangeAspect="1"/>
+          </p:cNvPicPr>
+          <p:nvPr>
+            <p:ph sz="half" idx="2"/>
+          </p:nvPr>
+        </p:nvPicPr>
+        <p:blipFill>
+          <a:blip r:embed="rId3"/>
+          <a:stretch>
+            <a:fillRect/>
+          </a:stretch>
+        </p:blipFill>
+        <p:spPr>
+          <a:xfrm>
+            <a:off x="1103365" y="1649336"/>
+            <a:ext cx="4539151" cy="4822370"/>
+          </a:xfrm>
+          <a:prstGeom prst="rect">
+            <a:avLst/>
+          </a:prstGeom>
+        </p:spPr>
+      </p:pic>
+    </p:spTree>
+    <p:extLst>
+      <p:ext uri="{BB962C8B-B14F-4D97-AF65-F5344CB8AC3E}">
+        <p14:creationId xmlns:p14="http://schemas.microsoft.com/office/powerpoint/2010/main" val="1779717516"/>
+      </p:ext>
+    </p:extLst>
+  </p:cSld>
+  <p:clrMapOvr>
+    <a:masterClrMapping/>
+  </p:clrMapOvr>
+</p:sld>
+</file>
+
+<file path=ppt/slides/slide12.xml><?xml version="1.0" encoding="utf-8"?>
+<p:sld xmlns:a="http://schemas.openxmlformats.org/drawingml/2006/main" xmlns:r="http://schemas.openxmlformats.org/officeDocument/2006/relationships" xmlns:p="http://schemas.openxmlformats.org/presentationml/2006/main">
+  <p:cSld>
+    <p:spTree>
+      <p:nvGrpSpPr>
+        <p:cNvPr id="1" name=""/>
+        <p:cNvGrpSpPr/>
+        <p:nvPr/>
+      </p:nvGrpSpPr>
+      <p:grpSpPr>
+        <a:xfrm>
+          <a:off x="0" y="0"/>
+          <a:ext cx="0" cy="0"/>
+          <a:chOff x="0" y="0"/>
+          <a:chExt cx="0" cy="0"/>
+        </a:xfrm>
+      </p:grpSpPr>
+      <p:sp>
+        <p:nvSpPr>
+          <p:cNvPr id="2" name="Title 1"/>
+          <p:cNvSpPr>
+            <a:spLocks noGrp="1"/>
+          </p:cNvSpPr>
+          <p:nvPr>
+            <p:ph type="title"/>
+          </p:nvPr>
+        </p:nvSpPr>
+        <p:spPr/>
+        <p:txBody>
+          <a:bodyPr/>
+          <a:lstStyle/>
+          <a:p>
+            <a:pPr algn="l"/>
+            <a:r>
+              <a:rPr lang="en-US" dirty="0"/>
+              <a:t>Chain of Trust</a:t>
+            </a:r>
+          </a:p>
+        </p:txBody>
+      </p:sp>
+      <p:pic>
+        <p:nvPicPr>
+          <p:cNvPr id="4" name="Content Placeholder 3"/>
+          <p:cNvPicPr>
+            <a:picLocks noGrp="1" noChangeAspect="1"/>
+          </p:cNvPicPr>
+          <p:nvPr>
+            <p:ph idx="1"/>
+          </p:nvPr>
+        </p:nvPicPr>
+        <p:blipFill>
+          <a:blip r:embed="rId2"/>
+          <a:stretch>
+            <a:fillRect/>
+          </a:stretch>
+        </p:blipFill>
+        <p:spPr>
+          <a:xfrm>
+            <a:off x="5527151" y="1932685"/>
+            <a:ext cx="6230262" cy="3698682"/>
+          </a:xfrm>
+          <a:prstGeom prst="rect">
+            <a:avLst/>
+          </a:prstGeom>
+        </p:spPr>
+      </p:pic>
+      <p:sp>
+        <p:nvSpPr>
+          <p:cNvPr id="6" name="Content Placeholder 2"/>
+          <p:cNvSpPr txBox="1">
+            <a:spLocks/>
+          </p:cNvSpPr>
+          <p:nvPr/>
+        </p:nvSpPr>
+        <p:spPr>
+          <a:xfrm>
+            <a:off x="556956" y="1799356"/>
+            <a:ext cx="4104254" cy="4058750"/>
+          </a:xfrm>
+          <a:prstGeom prst="rect">
+            <a:avLst/>
+          </a:prstGeom>
+          <a:effectLst>
+            <a:outerShdw blurRad="25400" dir="17880000">
+              <a:srgbClr val="000000">
+                <a:alpha val="46000"/>
+              </a:srgbClr>
+            </a:outerShdw>
+          </a:effectLst>
+        </p:spPr>
+        <p:txBody>
+          <a:bodyPr vert="horz" lIns="91440" tIns="45720" rIns="91440" bIns="45720" rtlCol="0" anchor="t">
+            <a:normAutofit/>
+          </a:bodyPr>
+          <a:lstStyle>
+            <a:lvl1pPr marL="342900" indent="-306000" algn="l" defTabSz="457200" rtl="0" eaLnBrk="1" latinLnBrk="0" hangingPunct="1">
+              <a:spcBef>
+                <a:spcPct val="20000"/>
+              </a:spcBef>
+              <a:spcAft>
+                <a:spcPts val="600"/>
+              </a:spcAft>
+              <a:buClr>
+                <a:schemeClr val="tx2"/>
+              </a:buClr>
+              <a:buSzPct val="70000"/>
+              <a:buFont typeface="Wingdings 2" charset="2"/>
+              <a:buChar char=""/>
+              <a:defRPr sz="2000" kern="1200">
+                <a:ln>
+                  <a:solidFill>
+                    <a:schemeClr val="bg1">
+                      <a:lumMod val="75000"/>
+                      <a:lumOff val="25000"/>
+                      <a:alpha val="10000"/>
+                    </a:schemeClr>
+                  </a:solidFill>
+                </a:ln>
+                <a:solidFill>
+                  <a:schemeClr val="tx2"/>
+                </a:solidFill>
+                <a:effectLst>
+                  <a:outerShdw blurRad="9525" dist="25400" dir="14640000" algn="tl" rotWithShape="0">
+                    <a:schemeClr val="bg1">
+                      <a:alpha val="30000"/>
+                    </a:schemeClr>
+                  </a:outerShdw>
+                </a:effectLst>
+                <a:latin typeface="+mn-lt"/>
+                <a:ea typeface="+mn-ea"/>
+                <a:cs typeface="+mn-cs"/>
+              </a:defRPr>
+            </a:lvl1pPr>
+            <a:lvl2pPr marL="720000" indent="-270000" algn="l" defTabSz="457200" rtl="0" eaLnBrk="1" latinLnBrk="0" hangingPunct="1">
+              <a:spcBef>
+                <a:spcPct val="20000"/>
+              </a:spcBef>
+              <a:spcAft>
+                <a:spcPts val="600"/>
+              </a:spcAft>
+              <a:buClr>
+                <a:schemeClr val="tx2"/>
+              </a:buClr>
+              <a:buSzPct val="70000"/>
+              <a:buFont typeface="Wingdings 2" charset="2"/>
+              <a:buChar char=""/>
+              <a:defRPr sz="1800" kern="1200">
+                <a:ln>
+                  <a:solidFill>
+                    <a:schemeClr val="bg1">
+                      <a:lumMod val="75000"/>
+                      <a:lumOff val="25000"/>
+                      <a:alpha val="10000"/>
+                    </a:schemeClr>
+                  </a:solidFill>
+                </a:ln>
+                <a:solidFill>
+                  <a:schemeClr val="tx2"/>
+                </a:solidFill>
+                <a:effectLst>
+                  <a:outerShdw blurRad="9525" dist="25400" dir="14640000" algn="tl" rotWithShape="0">
+                    <a:schemeClr val="bg1">
+                      <a:alpha val="30000"/>
+                    </a:schemeClr>
+                  </a:outerShdw>
+                </a:effectLst>
+                <a:latin typeface="+mn-lt"/>
+                <a:ea typeface="+mn-ea"/>
+                <a:cs typeface="+mn-cs"/>
+              </a:defRPr>
+            </a:lvl2pPr>
+            <a:lvl3pPr marL="1026000" indent="-216000" algn="l" defTabSz="457200" rtl="0" eaLnBrk="1" latinLnBrk="0" hangingPunct="1">
+              <a:spcBef>
+                <a:spcPct val="20000"/>
+              </a:spcBef>
+              <a:spcAft>
+                <a:spcPts val="600"/>
+              </a:spcAft>
+              <a:buClr>
+                <a:schemeClr val="tx2"/>
+              </a:buClr>
+              <a:buSzPct val="70000"/>
+              <a:buFont typeface="Wingdings 2" charset="2"/>
+              <a:buChar char=""/>
+              <a:defRPr sz="1600" kern="1200">
+                <a:ln>
+                  <a:solidFill>
+                    <a:schemeClr val="bg1">
+                      <a:lumMod val="75000"/>
+                      <a:lumOff val="25000"/>
+                      <a:alpha val="10000"/>
+                    </a:schemeClr>
+                  </a:solidFill>
+                </a:ln>
+                <a:solidFill>
+                  <a:schemeClr val="tx2"/>
+                </a:solidFill>
+                <a:effectLst>
+                  <a:outerShdw blurRad="9525" dist="25400" dir="14640000" algn="tl" rotWithShape="0">
+                    <a:schemeClr val="bg1">
+                      <a:alpha val="30000"/>
+                    </a:schemeClr>
+                  </a:outerShdw>
+                </a:effectLst>
+                <a:latin typeface="+mn-lt"/>
+                <a:ea typeface="+mn-ea"/>
+                <a:cs typeface="+mn-cs"/>
+              </a:defRPr>
+            </a:lvl3pPr>
+            <a:lvl4pPr marL="1386000" indent="-216000" algn="l" defTabSz="457200" rtl="0" eaLnBrk="1" latinLnBrk="0" hangingPunct="1">
+              <a:spcBef>
+                <a:spcPct val="20000"/>
+              </a:spcBef>
+              <a:spcAft>
+                <a:spcPts val="600"/>
+              </a:spcAft>
+              <a:buClr>
+                <a:schemeClr val="tx2"/>
+              </a:buClr>
+              <a:buSzPct val="70000"/>
+              <a:buFont typeface="Wingdings 2" charset="2"/>
+              <a:buChar char=""/>
+              <a:defRPr sz="1400" kern="1200">
+                <a:ln>
+                  <a:solidFill>
+                    <a:schemeClr val="bg1">
+                      <a:lumMod val="75000"/>
+                      <a:lumOff val="25000"/>
+                      <a:alpha val="10000"/>
+                    </a:schemeClr>
+                  </a:solidFill>
+                </a:ln>
+                <a:solidFill>
+                  <a:schemeClr val="tx2"/>
+                </a:solidFill>
+                <a:effectLst>
+                  <a:outerShdw blurRad="9525" dist="25400" dir="14640000" algn="tl" rotWithShape="0">
+                    <a:schemeClr val="bg1">
+                      <a:alpha val="30000"/>
+                    </a:schemeClr>
+                  </a:outerShdw>
+                </a:effectLst>
+                <a:latin typeface="+mn-lt"/>
+                <a:ea typeface="+mn-ea"/>
+                <a:cs typeface="+mn-cs"/>
+              </a:defRPr>
+            </a:lvl4pPr>
+            <a:lvl5pPr marL="1674000" indent="-216000" algn="l" defTabSz="457200" rtl="0" eaLnBrk="1" latinLnBrk="0" hangingPunct="1">
+              <a:spcBef>
+                <a:spcPct val="20000"/>
+              </a:spcBef>
+              <a:spcAft>
+                <a:spcPts val="600"/>
+              </a:spcAft>
+              <a:buClr>
+                <a:schemeClr val="tx2"/>
+              </a:buClr>
+              <a:buSzPct val="70000"/>
+              <a:buFont typeface="Wingdings 2" charset="2"/>
+              <a:buChar char=""/>
+              <a:defRPr sz="1400" kern="1200">
+                <a:ln>
+                  <a:solidFill>
+                    <a:schemeClr val="bg1">
+                      <a:lumMod val="75000"/>
+                      <a:lumOff val="25000"/>
+                      <a:alpha val="10000"/>
+                    </a:schemeClr>
+                  </a:solidFill>
+                </a:ln>
+                <a:solidFill>
+                  <a:schemeClr val="tx2"/>
+                </a:solidFill>
+                <a:effectLst>
+                  <a:outerShdw blurRad="9525" dist="25400" dir="14640000" algn="tl" rotWithShape="0">
+                    <a:schemeClr val="bg1">
+                      <a:alpha val="30000"/>
+                    </a:schemeClr>
+                  </a:outerShdw>
+                </a:effectLst>
+                <a:latin typeface="+mn-lt"/>
+                <a:ea typeface="+mn-ea"/>
+                <a:cs typeface="+mn-cs"/>
+              </a:defRPr>
+            </a:lvl5pPr>
+            <a:lvl6pPr marL="2014600" indent="-228600" algn="l" defTabSz="457200" rtl="0" eaLnBrk="1" latinLnBrk="0" hangingPunct="1">
+              <a:spcBef>
+                <a:spcPct val="20000"/>
+              </a:spcBef>
+              <a:spcAft>
+                <a:spcPts val="600"/>
+              </a:spcAft>
+              <a:buClr>
+                <a:schemeClr val="tx2"/>
+              </a:buClr>
+              <a:buSzPct val="70000"/>
+              <a:buFont typeface="Wingdings 2" charset="2"/>
+              <a:buChar char=""/>
+              <a:defRPr sz="1400" kern="1200">
+                <a:ln>
+                  <a:solidFill>
+                    <a:schemeClr val="bg1">
+                      <a:lumMod val="75000"/>
+                      <a:lumOff val="25000"/>
+                      <a:alpha val="10000"/>
+                    </a:schemeClr>
+                  </a:solidFill>
+                </a:ln>
+                <a:solidFill>
+                  <a:schemeClr val="tx2"/>
+                </a:solidFill>
+                <a:effectLst>
+                  <a:outerShdw blurRad="9525" dist="25400" dir="14640000" algn="tl" rotWithShape="0">
+                    <a:schemeClr val="bg1">
+                      <a:alpha val="30000"/>
+                    </a:schemeClr>
+                  </a:outerShdw>
+                </a:effectLst>
+                <a:latin typeface="+mn-lt"/>
+                <a:ea typeface="+mn-ea"/>
+                <a:cs typeface="+mn-cs"/>
+              </a:defRPr>
+            </a:lvl6pPr>
+            <a:lvl7pPr marL="2401800" indent="-228600" algn="l" defTabSz="457200" rtl="0" eaLnBrk="1" latinLnBrk="0" hangingPunct="1">
+              <a:spcBef>
+                <a:spcPct val="20000"/>
+              </a:spcBef>
+              <a:spcAft>
+                <a:spcPts val="600"/>
+              </a:spcAft>
+              <a:buClr>
+                <a:schemeClr val="tx2"/>
+              </a:buClr>
+              <a:buSzPct val="70000"/>
+              <a:buFont typeface="Wingdings 2" charset="2"/>
+              <a:buChar char=""/>
+              <a:defRPr sz="1400" kern="1200">
+                <a:ln>
+                  <a:solidFill>
+                    <a:schemeClr val="bg1">
+                      <a:lumMod val="75000"/>
+                      <a:lumOff val="25000"/>
+                      <a:alpha val="10000"/>
+                    </a:schemeClr>
+                  </a:solidFill>
+                </a:ln>
+                <a:solidFill>
+                  <a:schemeClr val="tx2"/>
+                </a:solidFill>
+                <a:effectLst>
+                  <a:outerShdw blurRad="9525" dist="25400" dir="14640000" algn="tl" rotWithShape="0">
+                    <a:schemeClr val="bg1">
+                      <a:alpha val="30000"/>
+                    </a:schemeClr>
+                  </a:outerShdw>
+                </a:effectLst>
+                <a:latin typeface="+mn-lt"/>
+                <a:ea typeface="+mn-ea"/>
+                <a:cs typeface="+mn-cs"/>
+              </a:defRPr>
+            </a:lvl7pPr>
+            <a:lvl8pPr marL="2789000" indent="-228600" algn="l" defTabSz="457200" rtl="0" eaLnBrk="1" latinLnBrk="0" hangingPunct="1">
+              <a:spcBef>
+                <a:spcPct val="20000"/>
+              </a:spcBef>
+              <a:spcAft>
+                <a:spcPts val="600"/>
+              </a:spcAft>
+              <a:buClr>
+                <a:schemeClr val="tx2"/>
+              </a:buClr>
+              <a:buSzPct val="70000"/>
+              <a:buFont typeface="Wingdings 2" charset="2"/>
+              <a:buChar char=""/>
+              <a:defRPr sz="1400" kern="1200">
+                <a:ln>
+                  <a:solidFill>
+                    <a:schemeClr val="bg1">
+                      <a:lumMod val="75000"/>
+                      <a:lumOff val="25000"/>
+                      <a:alpha val="10000"/>
+                    </a:schemeClr>
+                  </a:solidFill>
+                </a:ln>
+                <a:solidFill>
+                  <a:schemeClr val="tx2"/>
+                </a:solidFill>
+                <a:effectLst>
+                  <a:outerShdw blurRad="9525" dist="25400" dir="14640000" algn="tl" rotWithShape="0">
+                    <a:schemeClr val="bg1">
+                      <a:alpha val="30000"/>
+                    </a:schemeClr>
+                  </a:outerShdw>
+                </a:effectLst>
+                <a:latin typeface="+mn-lt"/>
+                <a:ea typeface="+mn-ea"/>
+                <a:cs typeface="+mn-cs"/>
+              </a:defRPr>
+            </a:lvl8pPr>
+            <a:lvl9pPr marL="3106200" indent="-228600" algn="l" defTabSz="457200" rtl="0" eaLnBrk="1" latinLnBrk="0" hangingPunct="1">
+              <a:spcBef>
+                <a:spcPct val="20000"/>
+              </a:spcBef>
+              <a:spcAft>
+                <a:spcPts val="600"/>
+              </a:spcAft>
+              <a:buClr>
+                <a:schemeClr val="tx2"/>
+              </a:buClr>
+              <a:buSzPct val="70000"/>
+              <a:buFont typeface="Wingdings 2" charset="2"/>
+              <a:buChar char=""/>
+              <a:defRPr sz="1400" kern="1200">
+                <a:ln>
+                  <a:solidFill>
+                    <a:schemeClr val="bg1">
+                      <a:lumMod val="75000"/>
+                      <a:lumOff val="25000"/>
+                      <a:alpha val="10000"/>
+                    </a:schemeClr>
+                  </a:solidFill>
+                </a:ln>
+                <a:solidFill>
+                  <a:schemeClr val="tx2"/>
+                </a:solidFill>
+                <a:effectLst>
+                  <a:outerShdw blurRad="9525" dist="25400" dir="14640000" algn="tl" rotWithShape="0">
+                    <a:schemeClr val="bg1">
+                      <a:alpha val="30000"/>
+                    </a:schemeClr>
+                  </a:outerShdw>
+                </a:effectLst>
+                <a:latin typeface="+mn-lt"/>
+                <a:ea typeface="+mn-ea"/>
+                <a:cs typeface="+mn-cs"/>
+              </a:defRPr>
+            </a:lvl9pPr>
+          </a:lstStyle>
+          <a:p>
+            <a:endParaRPr lang="en-US" dirty="0"/>
+          </a:p>
+          <a:p>
+            <a:pPr lvl="1"/>
+            <a:endParaRPr lang="en-US" dirty="0"/>
+          </a:p>
+          <a:p>
+            <a:pPr lvl="1"/>
+            <a:endParaRPr lang="en-US" dirty="0"/>
+          </a:p>
+        </p:txBody>
+      </p:sp>
+      <p:sp>
+        <p:nvSpPr>
+          <p:cNvPr id="7" name="Content Placeholder 2"/>
+          <p:cNvSpPr txBox="1">
+            <a:spLocks/>
+          </p:cNvSpPr>
+          <p:nvPr/>
+        </p:nvSpPr>
+        <p:spPr>
+          <a:xfrm>
+            <a:off x="508498" y="2011520"/>
+            <a:ext cx="5018653" cy="4058750"/>
+          </a:xfrm>
+          <a:prstGeom prst="rect">
+            <a:avLst/>
+          </a:prstGeom>
+          <a:effectLst>
+            <a:outerShdw blurRad="25400" dir="17880000">
+              <a:srgbClr val="000000">
+                <a:alpha val="46000"/>
+              </a:srgbClr>
+            </a:outerShdw>
+          </a:effectLst>
+        </p:spPr>
+        <p:txBody>
+          <a:bodyPr vert="horz" lIns="91440" tIns="45720" rIns="91440" bIns="45720" rtlCol="0" anchor="t">
+            <a:normAutofit/>
+          </a:bodyPr>
+          <a:lstStyle>
+            <a:lvl1pPr marL="342900" indent="-306000" algn="l" defTabSz="457200" rtl="0" eaLnBrk="1" latinLnBrk="0" hangingPunct="1">
+              <a:spcBef>
+                <a:spcPct val="20000"/>
+              </a:spcBef>
+              <a:spcAft>
+                <a:spcPts val="600"/>
+              </a:spcAft>
+              <a:buClr>
+                <a:schemeClr val="tx2"/>
+              </a:buClr>
+              <a:buSzPct val="70000"/>
+              <a:buFont typeface="Wingdings 2" charset="2"/>
+              <a:buChar char=""/>
+              <a:defRPr sz="2000" kern="1200">
+                <a:ln>
+                  <a:solidFill>
+                    <a:schemeClr val="bg1">
+                      <a:lumMod val="75000"/>
+                      <a:lumOff val="25000"/>
+                      <a:alpha val="10000"/>
+                    </a:schemeClr>
+                  </a:solidFill>
+                </a:ln>
+                <a:solidFill>
+                  <a:schemeClr val="tx2"/>
+                </a:solidFill>
+                <a:effectLst>
+                  <a:outerShdw blurRad="9525" dist="25400" dir="14640000" algn="tl" rotWithShape="0">
+                    <a:schemeClr val="bg1">
+                      <a:alpha val="30000"/>
+                    </a:schemeClr>
+                  </a:outerShdw>
+                </a:effectLst>
+                <a:latin typeface="+mn-lt"/>
+                <a:ea typeface="+mn-ea"/>
+                <a:cs typeface="+mn-cs"/>
+              </a:defRPr>
+            </a:lvl1pPr>
+            <a:lvl2pPr marL="720000" indent="-270000" algn="l" defTabSz="457200" rtl="0" eaLnBrk="1" latinLnBrk="0" hangingPunct="1">
+              <a:spcBef>
+                <a:spcPct val="20000"/>
+              </a:spcBef>
+              <a:spcAft>
+                <a:spcPts val="600"/>
+              </a:spcAft>
+              <a:buClr>
+                <a:schemeClr val="tx2"/>
+              </a:buClr>
+              <a:buSzPct val="70000"/>
+              <a:buFont typeface="Wingdings 2" charset="2"/>
+              <a:buChar char=""/>
+              <a:defRPr sz="1800" kern="1200">
+                <a:ln>
+                  <a:solidFill>
+                    <a:schemeClr val="bg1">
+                      <a:lumMod val="75000"/>
+                      <a:lumOff val="25000"/>
+                      <a:alpha val="10000"/>
+                    </a:schemeClr>
+                  </a:solidFill>
+                </a:ln>
+                <a:solidFill>
+                  <a:schemeClr val="tx2"/>
+                </a:solidFill>
+                <a:effectLst>
+                  <a:outerShdw blurRad="9525" dist="25400" dir="14640000" algn="tl" rotWithShape="0">
+                    <a:schemeClr val="bg1">
+                      <a:alpha val="30000"/>
+                    </a:schemeClr>
+                  </a:outerShdw>
+                </a:effectLst>
+                <a:latin typeface="+mn-lt"/>
+                <a:ea typeface="+mn-ea"/>
+                <a:cs typeface="+mn-cs"/>
+              </a:defRPr>
+            </a:lvl2pPr>
+            <a:lvl3pPr marL="1026000" indent="-216000" algn="l" defTabSz="457200" rtl="0" eaLnBrk="1" latinLnBrk="0" hangingPunct="1">
+              <a:spcBef>
+                <a:spcPct val="20000"/>
+              </a:spcBef>
+              <a:spcAft>
+                <a:spcPts val="600"/>
+              </a:spcAft>
+              <a:buClr>
+                <a:schemeClr val="tx2"/>
+              </a:buClr>
+              <a:buSzPct val="70000"/>
+              <a:buFont typeface="Wingdings 2" charset="2"/>
+              <a:buChar char=""/>
+              <a:defRPr sz="1600" kern="1200">
+                <a:ln>
+                  <a:solidFill>
+                    <a:schemeClr val="bg1">
+                      <a:lumMod val="75000"/>
+                      <a:lumOff val="25000"/>
+                      <a:alpha val="10000"/>
+                    </a:schemeClr>
+                  </a:solidFill>
+                </a:ln>
+                <a:solidFill>
+                  <a:schemeClr val="tx2"/>
+                </a:solidFill>
+                <a:effectLst>
+                  <a:outerShdw blurRad="9525" dist="25400" dir="14640000" algn="tl" rotWithShape="0">
+                    <a:schemeClr val="bg1">
+                      <a:alpha val="30000"/>
+                    </a:schemeClr>
+                  </a:outerShdw>
+                </a:effectLst>
+                <a:latin typeface="+mn-lt"/>
+                <a:ea typeface="+mn-ea"/>
+                <a:cs typeface="+mn-cs"/>
+              </a:defRPr>
+            </a:lvl3pPr>
+            <a:lvl4pPr marL="1386000" indent="-216000" algn="l" defTabSz="457200" rtl="0" eaLnBrk="1" latinLnBrk="0" hangingPunct="1">
+              <a:spcBef>
+                <a:spcPct val="20000"/>
+              </a:spcBef>
+              <a:spcAft>
+                <a:spcPts val="600"/>
+              </a:spcAft>
+              <a:buClr>
+                <a:schemeClr val="tx2"/>
+              </a:buClr>
+              <a:buSzPct val="70000"/>
+              <a:buFont typeface="Wingdings 2" charset="2"/>
+              <a:buChar char=""/>
+              <a:defRPr sz="1400" kern="1200">
+                <a:ln>
+                  <a:solidFill>
+                    <a:schemeClr val="bg1">
+                      <a:lumMod val="75000"/>
+                      <a:lumOff val="25000"/>
+                      <a:alpha val="10000"/>
+                    </a:schemeClr>
+                  </a:solidFill>
+                </a:ln>
+                <a:solidFill>
+                  <a:schemeClr val="tx2"/>
+                </a:solidFill>
+                <a:effectLst>
+                  <a:outerShdw blurRad="9525" dist="25400" dir="14640000" algn="tl" rotWithShape="0">
+                    <a:schemeClr val="bg1">
+                      <a:alpha val="30000"/>
+                    </a:schemeClr>
+                  </a:outerShdw>
+                </a:effectLst>
+                <a:latin typeface="+mn-lt"/>
+                <a:ea typeface="+mn-ea"/>
+                <a:cs typeface="+mn-cs"/>
+              </a:defRPr>
+            </a:lvl4pPr>
+            <a:lvl5pPr marL="1674000" indent="-216000" algn="l" defTabSz="457200" rtl="0" eaLnBrk="1" latinLnBrk="0" hangingPunct="1">
+              <a:spcBef>
+                <a:spcPct val="20000"/>
+              </a:spcBef>
+              <a:spcAft>
+                <a:spcPts val="600"/>
+              </a:spcAft>
+              <a:buClr>
+                <a:schemeClr val="tx2"/>
+              </a:buClr>
+              <a:buSzPct val="70000"/>
+              <a:buFont typeface="Wingdings 2" charset="2"/>
+              <a:buChar char=""/>
+              <a:defRPr sz="1400" kern="1200">
+                <a:ln>
+                  <a:solidFill>
+                    <a:schemeClr val="bg1">
+                      <a:lumMod val="75000"/>
+                      <a:lumOff val="25000"/>
+                      <a:alpha val="10000"/>
+                    </a:schemeClr>
+                  </a:solidFill>
+                </a:ln>
+                <a:solidFill>
+                  <a:schemeClr val="tx2"/>
+                </a:solidFill>
+                <a:effectLst>
+                  <a:outerShdw blurRad="9525" dist="25400" dir="14640000" algn="tl" rotWithShape="0">
+                    <a:schemeClr val="bg1">
+                      <a:alpha val="30000"/>
+                    </a:schemeClr>
+                  </a:outerShdw>
+                </a:effectLst>
+                <a:latin typeface="+mn-lt"/>
+                <a:ea typeface="+mn-ea"/>
+                <a:cs typeface="+mn-cs"/>
+              </a:defRPr>
+            </a:lvl5pPr>
+            <a:lvl6pPr marL="2014600" indent="-228600" algn="l" defTabSz="457200" rtl="0" eaLnBrk="1" latinLnBrk="0" hangingPunct="1">
+              <a:spcBef>
+                <a:spcPct val="20000"/>
+              </a:spcBef>
+              <a:spcAft>
+                <a:spcPts val="600"/>
+              </a:spcAft>
+              <a:buClr>
+                <a:schemeClr val="tx2"/>
+              </a:buClr>
+              <a:buSzPct val="70000"/>
+              <a:buFont typeface="Wingdings 2" charset="2"/>
+              <a:buChar char=""/>
+              <a:defRPr sz="1400" kern="1200">
+                <a:ln>
+                  <a:solidFill>
+                    <a:schemeClr val="bg1">
+                      <a:lumMod val="75000"/>
+                      <a:lumOff val="25000"/>
+                      <a:alpha val="10000"/>
+                    </a:schemeClr>
+                  </a:solidFill>
+                </a:ln>
+                <a:solidFill>
+                  <a:schemeClr val="tx2"/>
+                </a:solidFill>
+                <a:effectLst>
+                  <a:outerShdw blurRad="9525" dist="25400" dir="14640000" algn="tl" rotWithShape="0">
+                    <a:schemeClr val="bg1">
+                      <a:alpha val="30000"/>
+                    </a:schemeClr>
+                  </a:outerShdw>
+                </a:effectLst>
+                <a:latin typeface="+mn-lt"/>
+                <a:ea typeface="+mn-ea"/>
+                <a:cs typeface="+mn-cs"/>
+              </a:defRPr>
+            </a:lvl6pPr>
+            <a:lvl7pPr marL="2401800" indent="-228600" algn="l" defTabSz="457200" rtl="0" eaLnBrk="1" latinLnBrk="0" hangingPunct="1">
+              <a:spcBef>
+                <a:spcPct val="20000"/>
+              </a:spcBef>
+              <a:spcAft>
+                <a:spcPts val="600"/>
+              </a:spcAft>
+              <a:buClr>
+                <a:schemeClr val="tx2"/>
+              </a:buClr>
+              <a:buSzPct val="70000"/>
+              <a:buFont typeface="Wingdings 2" charset="2"/>
+              <a:buChar char=""/>
+              <a:defRPr sz="1400" kern="1200">
+                <a:ln>
+                  <a:solidFill>
+                    <a:schemeClr val="bg1">
+                      <a:lumMod val="75000"/>
+                      <a:lumOff val="25000"/>
+                      <a:alpha val="10000"/>
+                    </a:schemeClr>
+                  </a:solidFill>
+                </a:ln>
+                <a:solidFill>
+                  <a:schemeClr val="tx2"/>
+                </a:solidFill>
+                <a:effectLst>
+                  <a:outerShdw blurRad="9525" dist="25400" dir="14640000" algn="tl" rotWithShape="0">
+                    <a:schemeClr val="bg1">
+                      <a:alpha val="30000"/>
+                    </a:schemeClr>
+                  </a:outerShdw>
+                </a:effectLst>
+                <a:latin typeface="+mn-lt"/>
+                <a:ea typeface="+mn-ea"/>
+                <a:cs typeface="+mn-cs"/>
+              </a:defRPr>
+            </a:lvl7pPr>
+            <a:lvl8pPr marL="2789000" indent="-228600" algn="l" defTabSz="457200" rtl="0" eaLnBrk="1" latinLnBrk="0" hangingPunct="1">
+              <a:spcBef>
+                <a:spcPct val="20000"/>
+              </a:spcBef>
+              <a:spcAft>
+                <a:spcPts val="600"/>
+              </a:spcAft>
+              <a:buClr>
+                <a:schemeClr val="tx2"/>
+              </a:buClr>
+              <a:buSzPct val="70000"/>
+              <a:buFont typeface="Wingdings 2" charset="2"/>
+              <a:buChar char=""/>
+              <a:defRPr sz="1400" kern="1200">
+                <a:ln>
+                  <a:solidFill>
+                    <a:schemeClr val="bg1">
+                      <a:lumMod val="75000"/>
+                      <a:lumOff val="25000"/>
+                      <a:alpha val="10000"/>
+                    </a:schemeClr>
+                  </a:solidFill>
+                </a:ln>
+                <a:solidFill>
+                  <a:schemeClr val="tx2"/>
+                </a:solidFill>
+                <a:effectLst>
+                  <a:outerShdw blurRad="9525" dist="25400" dir="14640000" algn="tl" rotWithShape="0">
+                    <a:schemeClr val="bg1">
+                      <a:alpha val="30000"/>
+                    </a:schemeClr>
+                  </a:outerShdw>
+                </a:effectLst>
+                <a:latin typeface="+mn-lt"/>
+                <a:ea typeface="+mn-ea"/>
+                <a:cs typeface="+mn-cs"/>
+              </a:defRPr>
+            </a:lvl8pPr>
+            <a:lvl9pPr marL="3106200" indent="-228600" algn="l" defTabSz="457200" rtl="0" eaLnBrk="1" latinLnBrk="0" hangingPunct="1">
+              <a:spcBef>
+                <a:spcPct val="20000"/>
+              </a:spcBef>
+              <a:spcAft>
+                <a:spcPts val="600"/>
+              </a:spcAft>
+              <a:buClr>
+                <a:schemeClr val="tx2"/>
+              </a:buClr>
+              <a:buSzPct val="70000"/>
+              <a:buFont typeface="Wingdings 2" charset="2"/>
+              <a:buChar char=""/>
+              <a:defRPr sz="1400" kern="1200">
+                <a:ln>
+                  <a:solidFill>
+                    <a:schemeClr val="bg1">
+                      <a:lumMod val="75000"/>
+                      <a:lumOff val="25000"/>
+                      <a:alpha val="10000"/>
+                    </a:schemeClr>
+                  </a:solidFill>
+                </a:ln>
+                <a:solidFill>
+                  <a:schemeClr val="tx2"/>
+                </a:solidFill>
+                <a:effectLst>
+                  <a:outerShdw blurRad="9525" dist="25400" dir="14640000" algn="tl" rotWithShape="0">
+                    <a:schemeClr val="bg1">
+                      <a:alpha val="30000"/>
+                    </a:schemeClr>
+                  </a:outerShdw>
+                </a:effectLst>
+                <a:latin typeface="+mn-lt"/>
+                <a:ea typeface="+mn-ea"/>
+                <a:cs typeface="+mn-cs"/>
+              </a:defRPr>
+            </a:lvl9pPr>
+          </a:lstStyle>
+          <a:p>
+            <a:r>
+              <a:rPr lang="en-US" dirty="0"/>
+              <a:t>Certificates are issued in a tree structure known as the Chain of Trust.</a:t>
+            </a:r>
+          </a:p>
+          <a:p>
+            <a:pPr lvl="1"/>
+            <a:r>
+              <a:rPr lang="en-US" dirty="0"/>
+              <a:t>“Leaf” nodes inherit the trust of the root.</a:t>
+            </a:r>
+          </a:p>
+          <a:p>
+            <a:pPr lvl="1"/>
+            <a:r>
+              <a:rPr lang="en-US" dirty="0"/>
+              <a:t>Root certificates are not used to sign certificates for web sites.</a:t>
+            </a:r>
+          </a:p>
+          <a:p>
+            <a:pPr lvl="2"/>
+            <a:r>
+              <a:rPr lang="en-US" dirty="0"/>
+              <a:t>Numerous intermediate certificates are created.</a:t>
+            </a:r>
+          </a:p>
+          <a:p>
+            <a:pPr lvl="2"/>
+            <a:r>
+              <a:rPr lang="en-US" dirty="0"/>
+              <a:t>Security in the event one is compromised.</a:t>
+            </a:r>
+          </a:p>
+          <a:p>
+            <a:pPr lvl="1"/>
+            <a:r>
+              <a:rPr lang="en-US" dirty="0"/>
+              <a:t>Root certificate is </a:t>
+            </a:r>
+            <a:r>
+              <a:rPr lang="en-US" i="1" dirty="0"/>
+              <a:t>self-signed</a:t>
+            </a:r>
+            <a:endParaRPr lang="en-US" dirty="0"/>
+          </a:p>
+          <a:p>
+            <a:pPr lvl="2"/>
+            <a:r>
+              <a:rPr lang="en-US" dirty="0"/>
+              <a:t>Signed using own public key.</a:t>
+            </a:r>
+          </a:p>
+        </p:txBody>
+      </p:sp>
+      <p:sp>
+        <p:nvSpPr>
+          <p:cNvPr id="8" name="TextBox 7"/>
+          <p:cNvSpPr txBox="1"/>
+          <p:nvPr/>
+        </p:nvSpPr>
+        <p:spPr>
+          <a:xfrm>
+            <a:off x="5575609" y="5631367"/>
+            <a:ext cx="5925151" cy="461665"/>
+          </a:xfrm>
+          <a:prstGeom prst="rect">
+            <a:avLst/>
+          </a:prstGeom>
+          <a:noFill/>
+        </p:spPr>
+        <p:txBody>
+          <a:bodyPr wrap="square" rtlCol="0">
+            <a:spAutoFit/>
+          </a:bodyPr>
+          <a:lstStyle/>
+          <a:p>
+            <a:r>
+              <a:rPr lang="en-US" sz="1200" dirty="0"/>
+              <a:t>Original image at: </a:t>
+            </a:r>
+            <a:r>
+              <a:rPr lang="en-US" sz="1200" dirty="0">
+                <a:hlinkClick r:id="rId3"/>
+              </a:rPr>
+              <a:t>https://upload.wikimedia.org/wikipedia/commons/d/d1/Chain_of_trust.svg</a:t>
+            </a:r>
+            <a:endParaRPr lang="en-US" sz="1200" dirty="0"/>
+          </a:p>
+        </p:txBody>
+      </p:sp>
+    </p:spTree>
+    <p:extLst>
+      <p:ext uri="{BB962C8B-B14F-4D97-AF65-F5344CB8AC3E}">
+        <p14:creationId xmlns:p14="http://schemas.microsoft.com/office/powerpoint/2010/main" val="1501125159"/>
+      </p:ext>
+    </p:extLst>
+  </p:cSld>
+  <p:clrMapOvr>
+    <a:masterClrMapping/>
+  </p:clrMapOvr>
+</p:sld>
+</file>
+
+<file path=ppt/slides/slide13.xml><?xml version="1.0" encoding="utf-8"?>
+<p:sld xmlns:a="http://schemas.openxmlformats.org/drawingml/2006/main" xmlns:r="http://schemas.openxmlformats.org/officeDocument/2006/relationships" xmlns:p="http://schemas.openxmlformats.org/presentationml/2006/main">
+  <p:cSld>
+    <p:spTree>
+      <p:nvGrpSpPr>
+        <p:cNvPr id="1" name=""/>
+        <p:cNvGrpSpPr/>
+        <p:nvPr/>
+      </p:nvGrpSpPr>
+      <p:grpSpPr>
+        <a:xfrm>
+          <a:off x="0" y="0"/>
+          <a:ext cx="0" cy="0"/>
+          <a:chOff x="0" y="0"/>
+          <a:chExt cx="0" cy="0"/>
+        </a:xfrm>
+      </p:grpSpPr>
+      <p:sp>
+        <p:nvSpPr>
+          <p:cNvPr id="2" name="Title 1"/>
+          <p:cNvSpPr>
+            <a:spLocks noGrp="1"/>
+          </p:cNvSpPr>
+          <p:nvPr>
+            <p:ph type="title"/>
+          </p:nvPr>
+        </p:nvSpPr>
+        <p:spPr/>
+        <p:txBody>
+          <a:bodyPr/>
+          <a:lstStyle/>
+          <a:p>
+            <a:pPr algn="l"/>
+            <a:r>
+              <a:rPr lang="en-US" dirty="0"/>
+              <a:t>Certificate Authorities</a:t>
+            </a:r>
+          </a:p>
+        </p:txBody>
+      </p:sp>
+      <p:sp>
+        <p:nvSpPr>
+          <p:cNvPr id="3" name="Content Placeholder 2"/>
+          <p:cNvSpPr>
+            <a:spLocks noGrp="1"/>
+          </p:cNvSpPr>
+          <p:nvPr>
+            <p:ph idx="1"/>
+          </p:nvPr>
+        </p:nvSpPr>
+        <p:spPr/>
+        <p:txBody>
+          <a:bodyPr>
+            <a:normAutofit lnSpcReduction="10000"/>
+          </a:bodyPr>
+          <a:lstStyle/>
+          <a:p>
+            <a:r>
+              <a:rPr lang="en-US" dirty="0"/>
+              <a:t>Hold a very important role in securing our data.</a:t>
+            </a:r>
+            <a:br>
+              <a:rPr lang="en-US" dirty="0"/>
+            </a:br>
+            <a:endParaRPr lang="en-US" dirty="0"/>
+          </a:p>
+          <a:p>
+            <a:r>
+              <a:rPr lang="en-US" dirty="0"/>
+              <a:t>Root Certificates are kept under EXTREME security.</a:t>
+            </a:r>
+          </a:p>
+          <a:p>
+            <a:pPr lvl="1"/>
+            <a:r>
+              <a:rPr lang="en-US" dirty="0"/>
+              <a:t>Are only ever online to generate intermediate certificates.</a:t>
+            </a:r>
+          </a:p>
+          <a:p>
+            <a:pPr lvl="1"/>
+            <a:r>
+              <a:rPr lang="en-US" dirty="0"/>
+              <a:t>Otherwise kept offline in a Hardware Security Module, which is extremely well guarded and kept under constant surveillance.</a:t>
+            </a:r>
+          </a:p>
+          <a:p>
+            <a:pPr lvl="1"/>
+            <a:r>
+              <a:rPr lang="en-US" dirty="0"/>
+              <a:t>More details at </a:t>
+            </a:r>
+            <a:r>
+              <a:rPr lang="en-US" dirty="0">
+                <a:hlinkClick r:id="rId2"/>
+              </a:rPr>
+              <a:t>https://arstechnica.com/security/2012/11/inside-symantecs-ssl-certificate-vault/</a:t>
+            </a:r>
+            <a:r>
+              <a:rPr lang="en-US" dirty="0"/>
+              <a:t> and </a:t>
+            </a:r>
+            <a:r>
+              <a:rPr lang="en-US" dirty="0">
+                <a:hlinkClick r:id="rId3"/>
+              </a:rPr>
+              <a:t>http://security.stackexchange.com/questions/24896/how-do-certification-authorities-store-their-private-root-keys</a:t>
+            </a:r>
+            <a:br>
+              <a:rPr lang="en-US" dirty="0"/>
+            </a:br>
+            <a:endParaRPr lang="en-US" dirty="0"/>
+          </a:p>
+          <a:p>
+            <a:r>
+              <a:rPr lang="en-US" dirty="0"/>
+              <a:t>There is a high-level of trust placed in all CAs. But it only takes one bad CA to spoil everything.</a:t>
+            </a:r>
+          </a:p>
+        </p:txBody>
+      </p:sp>
+    </p:spTree>
+    <p:extLst>
+      <p:ext uri="{BB962C8B-B14F-4D97-AF65-F5344CB8AC3E}">
+        <p14:creationId xmlns:p14="http://schemas.microsoft.com/office/powerpoint/2010/main" val="3754510766"/>
+      </p:ext>
+    </p:extLst>
+  </p:cSld>
+  <p:clrMapOvr>
+    <a:masterClrMapping/>
+  </p:clrMapOvr>
+</p:sld>
+</file>
+
+<file path=ppt/slides/slide14.xml><?xml version="1.0" encoding="utf-8"?>
+<p:sld xmlns:a="http://schemas.openxmlformats.org/drawingml/2006/main" xmlns:r="http://schemas.openxmlformats.org/officeDocument/2006/relationships" xmlns:p="http://schemas.openxmlformats.org/presentationml/2006/main">
+  <p:cSld>
+    <p:spTree>
+      <p:nvGrpSpPr>
+        <p:cNvPr id="1" name=""/>
+        <p:cNvGrpSpPr/>
+        <p:nvPr/>
+      </p:nvGrpSpPr>
+      <p:grpSpPr>
+        <a:xfrm>
+          <a:off x="0" y="0"/>
+          <a:ext cx="0" cy="0"/>
+          <a:chOff x="0" y="0"/>
+          <a:chExt cx="0" cy="0"/>
+        </a:xfrm>
+      </p:grpSpPr>
+      <p:sp>
+        <p:nvSpPr>
+          <p:cNvPr id="2" name="Title 1"/>
+          <p:cNvSpPr>
+            <a:spLocks noGrp="1"/>
+          </p:cNvSpPr>
+          <p:nvPr>
+            <p:ph type="title"/>
+          </p:nvPr>
+        </p:nvSpPr>
+        <p:spPr/>
+        <p:txBody>
+          <a:bodyPr/>
+          <a:lstStyle/>
+          <a:p>
+            <a:pPr algn="l"/>
+            <a:r>
+              <a:rPr lang="en-US" dirty="0" err="1"/>
+              <a:t>WoSign</a:t>
+            </a:r>
+            <a:endParaRPr lang="en-US" dirty="0"/>
+          </a:p>
+        </p:txBody>
+      </p:sp>
+      <p:sp>
+        <p:nvSpPr>
+          <p:cNvPr id="3" name="Content Placeholder 2"/>
+          <p:cNvSpPr>
+            <a:spLocks noGrp="1"/>
+          </p:cNvSpPr>
+          <p:nvPr>
+            <p:ph idx="1"/>
+          </p:nvPr>
+        </p:nvSpPr>
+        <p:spPr/>
+        <p:txBody>
+          <a:bodyPr>
+            <a:normAutofit lnSpcReduction="10000"/>
+          </a:bodyPr>
+          <a:lstStyle/>
+          <a:p>
+            <a:r>
+              <a:rPr lang="en-US" dirty="0"/>
+              <a:t>Issued SHA-1 certificates after their planned expiration (January 1, 2017).</a:t>
+            </a:r>
+          </a:p>
+          <a:p>
+            <a:r>
+              <a:rPr lang="en-US" dirty="0">
+                <a:effectLst/>
+              </a:rPr>
+              <a:t>“From Jan 10th to </a:t>
+            </a:r>
+            <a:r>
+              <a:rPr lang="en-US" dirty="0" err="1">
+                <a:effectLst/>
+              </a:rPr>
+              <a:t>to</a:t>
+            </a:r>
+            <a:r>
+              <a:rPr lang="en-US" dirty="0">
+                <a:effectLst/>
+              </a:rPr>
+              <a:t> April 23rd 2015, </a:t>
+            </a:r>
+            <a:r>
+              <a:rPr lang="en-US" dirty="0" err="1">
+                <a:effectLst/>
+              </a:rPr>
+              <a:t>WoSign's</a:t>
+            </a:r>
+            <a:r>
+              <a:rPr lang="en-US" dirty="0">
+                <a:effectLst/>
+              </a:rPr>
+              <a:t> certificate issuance system for their free certificates allowed the applicant to choose any port for validation. Once validation had been completed, </a:t>
+            </a:r>
+            <a:r>
+              <a:rPr lang="en-US" dirty="0" err="1">
+                <a:effectLst/>
+              </a:rPr>
+              <a:t>WoSign</a:t>
+            </a:r>
+            <a:r>
+              <a:rPr lang="en-US" dirty="0">
+                <a:effectLst/>
+              </a:rPr>
+              <a:t> would issue certificates for that domain. A researcher was able to obtain a certificate for a university by opening a high-numbered port (&gt;50,000) and getting </a:t>
+            </a:r>
+            <a:r>
+              <a:rPr lang="en-US" dirty="0" err="1">
+                <a:effectLst/>
+              </a:rPr>
+              <a:t>WoSign</a:t>
+            </a:r>
+            <a:r>
+              <a:rPr lang="en-US" dirty="0">
+                <a:effectLst/>
+              </a:rPr>
+              <a:t> to use that port for validation of control.”</a:t>
+            </a:r>
+          </a:p>
+          <a:p>
+            <a:r>
+              <a:rPr lang="en-US" dirty="0">
+                <a:effectLst/>
+              </a:rPr>
+              <a:t>In June 2015, an applicant found some problems with </a:t>
+            </a:r>
+            <a:r>
+              <a:rPr lang="en-US" dirty="0" err="1">
+                <a:effectLst/>
+              </a:rPr>
+              <a:t>WoSign's</a:t>
+            </a:r>
+            <a:r>
+              <a:rPr lang="en-US" dirty="0">
+                <a:effectLst/>
+              </a:rPr>
+              <a:t> free certificate service. There were actually two bugs, which we will denote N1 and N2. </a:t>
+            </a:r>
+          </a:p>
+          <a:p>
+            <a:pPr lvl="1"/>
+            <a:r>
+              <a:rPr lang="en-US" dirty="0">
+                <a:effectLst/>
+              </a:rPr>
+              <a:t>Bug N1 was an issue where someone proving control of &lt;subdomain&gt;.</a:t>
+            </a:r>
+            <a:r>
+              <a:rPr lang="en-US" dirty="0" err="1">
+                <a:effectLst/>
+              </a:rPr>
+              <a:t>example.tld</a:t>
+            </a:r>
+            <a:r>
+              <a:rPr lang="en-US" dirty="0">
+                <a:effectLst/>
+              </a:rPr>
+              <a:t> also was given a cert covering </a:t>
+            </a:r>
+            <a:r>
+              <a:rPr lang="en-US" dirty="0" err="1">
+                <a:effectLst/>
+              </a:rPr>
+              <a:t>example.tld</a:t>
+            </a:r>
+            <a:r>
+              <a:rPr lang="en-US" dirty="0">
+                <a:effectLst/>
+              </a:rPr>
+              <a:t>. </a:t>
+            </a:r>
+          </a:p>
+          <a:p>
+            <a:pPr lvl="1"/>
+            <a:r>
+              <a:rPr lang="en-US" dirty="0">
+                <a:effectLst/>
+              </a:rPr>
+              <a:t>Bug N2 was an issue where arbitrary domains can be added to an existing request after validation.</a:t>
+            </a:r>
+          </a:p>
+          <a:p>
+            <a:r>
+              <a:rPr lang="en-US" dirty="0">
+                <a:effectLst/>
+              </a:rPr>
+              <a:t>More issues at: </a:t>
+            </a:r>
+            <a:r>
+              <a:rPr lang="en-US" dirty="0">
+                <a:effectLst/>
+                <a:hlinkClick r:id="rId2"/>
+              </a:rPr>
+              <a:t>https://wiki.mozilla.org/CA:WoSign_Issues </a:t>
+            </a:r>
+            <a:endParaRPr lang="en-US" dirty="0">
+              <a:effectLst/>
+            </a:endParaRPr>
+          </a:p>
+          <a:p>
+            <a:endParaRPr lang="en-US" dirty="0"/>
+          </a:p>
+        </p:txBody>
+      </p:sp>
+    </p:spTree>
+    <p:extLst>
+      <p:ext uri="{BB962C8B-B14F-4D97-AF65-F5344CB8AC3E}">
+        <p14:creationId xmlns:p14="http://schemas.microsoft.com/office/powerpoint/2010/main" val="3892320917"/>
+      </p:ext>
+    </p:extLst>
+  </p:cSld>
+  <p:clrMapOvr>
+    <a:masterClrMapping/>
+  </p:clrMapOvr>
+</p:sld>
+</file>
+
+<file path=ppt/slides/slide15.xml><?xml version="1.0" encoding="utf-8"?>
+<p:sld xmlns:a="http://schemas.openxmlformats.org/drawingml/2006/main" xmlns:r="http://schemas.openxmlformats.org/officeDocument/2006/relationships" xmlns:p="http://schemas.openxmlformats.org/presentationml/2006/main">
+  <p:cSld>
+    <p:spTree>
+      <p:nvGrpSpPr>
+        <p:cNvPr id="1" name=""/>
+        <p:cNvGrpSpPr/>
+        <p:nvPr/>
+      </p:nvGrpSpPr>
+      <p:grpSpPr>
+        <a:xfrm>
+          <a:off x="0" y="0"/>
+          <a:ext cx="0" cy="0"/>
+          <a:chOff x="0" y="0"/>
+          <a:chExt cx="0" cy="0"/>
+        </a:xfrm>
+      </p:grpSpPr>
+      <p:sp>
+        <p:nvSpPr>
+          <p:cNvPr id="2" name="Title 1"/>
+          <p:cNvSpPr>
+            <a:spLocks noGrp="1"/>
+          </p:cNvSpPr>
+          <p:nvPr>
+            <p:ph type="title"/>
+          </p:nvPr>
+        </p:nvSpPr>
+        <p:spPr/>
+        <p:txBody>
+          <a:bodyPr/>
+          <a:lstStyle/>
+          <a:p>
+            <a:pPr algn="l"/>
+            <a:r>
+              <a:rPr lang="en-US" dirty="0"/>
+              <a:t>Tangent!</a:t>
+            </a:r>
+          </a:p>
+        </p:txBody>
+      </p:sp>
+      <p:pic>
+        <p:nvPicPr>
+          <p:cNvPr id="4" name="Content Placeholder 3"/>
+          <p:cNvPicPr>
+            <a:picLocks noGrp="1" noChangeAspect="1"/>
+          </p:cNvPicPr>
+          <p:nvPr>
+            <p:ph idx="1"/>
+          </p:nvPr>
+        </p:nvPicPr>
+        <p:blipFill>
+          <a:blip r:embed="rId2"/>
+          <a:stretch>
+            <a:fillRect/>
+          </a:stretch>
+        </p:blipFill>
+        <p:spPr>
+          <a:xfrm>
+            <a:off x="3173796" y="1676207"/>
+            <a:ext cx="5833759" cy="4999281"/>
+          </a:xfrm>
+          <a:prstGeom prst="rect">
+            <a:avLst/>
+          </a:prstGeom>
+        </p:spPr>
+      </p:pic>
+    </p:spTree>
+    <p:extLst>
+      <p:ext uri="{BB962C8B-B14F-4D97-AF65-F5344CB8AC3E}">
+        <p14:creationId xmlns:p14="http://schemas.microsoft.com/office/powerpoint/2010/main" val="408113354"/>
+      </p:ext>
+    </p:extLst>
+  </p:cSld>
+  <p:clrMapOvr>
+    <a:masterClrMapping/>
+  </p:clrMapOvr>
+</p:sld>
+</file>
+
+<file path=ppt/slides/slide16.xml><?xml version="1.0" encoding="utf-8"?>
+<p:sld xmlns:a="http://schemas.openxmlformats.org/drawingml/2006/main" xmlns:r="http://schemas.openxmlformats.org/officeDocument/2006/relationships" xmlns:p="http://schemas.openxmlformats.org/presentationml/2006/main">
+  <p:cSld>
+    <p:spTree>
+      <p:nvGrpSpPr>
+        <p:cNvPr id="1" name=""/>
+        <p:cNvGrpSpPr/>
+        <p:nvPr/>
+      </p:nvGrpSpPr>
+      <p:grpSpPr>
+        <a:xfrm>
+          <a:off x="0" y="0"/>
+          <a:ext cx="0" cy="0"/>
+          <a:chOff x="0" y="0"/>
+          <a:chExt cx="0" cy="0"/>
+        </a:xfrm>
+      </p:grpSpPr>
+      <p:sp>
+        <p:nvSpPr>
+          <p:cNvPr id="2" name="Title 1"/>
+          <p:cNvSpPr>
+            <a:spLocks noGrp="1"/>
+          </p:cNvSpPr>
+          <p:nvPr>
+            <p:ph type="title"/>
+          </p:nvPr>
+        </p:nvSpPr>
+        <p:spPr/>
+        <p:txBody>
+          <a:bodyPr/>
+          <a:lstStyle/>
+          <a:p>
+            <a:pPr algn="l"/>
+            <a:r>
+              <a:rPr lang="en-US" dirty="0"/>
+              <a:t>SSL Stripping</a:t>
+            </a:r>
+          </a:p>
+        </p:txBody>
+      </p:sp>
+      <p:sp>
+        <p:nvSpPr>
+          <p:cNvPr id="3" name="Content Placeholder 2"/>
+          <p:cNvSpPr>
+            <a:spLocks noGrp="1"/>
+          </p:cNvSpPr>
+          <p:nvPr>
+            <p:ph idx="1"/>
+          </p:nvPr>
+        </p:nvSpPr>
+        <p:spPr/>
+        <p:txBody>
+          <a:bodyPr/>
+          <a:lstStyle/>
+          <a:p>
+            <a:r>
+              <a:rPr lang="en-US" dirty="0"/>
+              <a:t>Before HTTPS was ubiquitous, it was common for websites to be sent over HTTP and only requests that contained sensitive information were sent using HTTPS.</a:t>
+            </a:r>
+          </a:p>
+          <a:p>
+            <a:r>
+              <a:rPr lang="en-US" dirty="0"/>
+              <a:t>SSL Stripping is a man-in-the-middle (</a:t>
+            </a:r>
+            <a:r>
+              <a:rPr lang="en-US" dirty="0" err="1"/>
+              <a:t>MitM</a:t>
+            </a:r>
+            <a:r>
+              <a:rPr lang="en-US" dirty="0"/>
+              <a:t>) attack where an attacker prevents a page from “upgrading” to an SSL connection, virtually unnoticeable by your average user.</a:t>
+            </a:r>
+          </a:p>
+          <a:p>
+            <a:pPr lvl="1"/>
+            <a:r>
+              <a:rPr lang="en-US" dirty="0"/>
+              <a:t>Victim communicates with you via HTTP and you communicate with the server on their behalf using HTTPS.</a:t>
+            </a:r>
+          </a:p>
+        </p:txBody>
+      </p:sp>
+    </p:spTree>
+    <p:extLst>
+      <p:ext uri="{BB962C8B-B14F-4D97-AF65-F5344CB8AC3E}">
+        <p14:creationId xmlns:p14="http://schemas.microsoft.com/office/powerpoint/2010/main" val="64729365"/>
+      </p:ext>
+    </p:extLst>
+  </p:cSld>
+  <p:clrMapOvr>
+    <a:masterClrMapping/>
+  </p:clrMapOvr>
+</p:sld>
+</file>
+
+<file path=ppt/slides/slide17.xml><?xml version="1.0" encoding="utf-8"?>
+<p:sld xmlns:a="http://schemas.openxmlformats.org/drawingml/2006/main" xmlns:r="http://schemas.openxmlformats.org/officeDocument/2006/relationships" xmlns:p="http://schemas.openxmlformats.org/presentationml/2006/main">
+  <p:cSld>
+    <p:spTree>
+      <p:nvGrpSpPr>
+        <p:cNvPr id="1" name=""/>
+        <p:cNvGrpSpPr/>
+        <p:nvPr/>
+      </p:nvGrpSpPr>
+      <p:grpSpPr>
+        <a:xfrm>
+          <a:off x="0" y="0"/>
+          <a:ext cx="0" cy="0"/>
+          <a:chOff x="0" y="0"/>
+          <a:chExt cx="0" cy="0"/>
+        </a:xfrm>
+      </p:grpSpPr>
+      <p:sp>
+        <p:nvSpPr>
+          <p:cNvPr id="2" name="Title 1"/>
+          <p:cNvSpPr>
+            <a:spLocks noGrp="1"/>
+          </p:cNvSpPr>
+          <p:nvPr>
+            <p:ph type="title"/>
+          </p:nvPr>
+        </p:nvSpPr>
+        <p:spPr/>
+        <p:txBody>
+          <a:bodyPr/>
+          <a:lstStyle/>
+          <a:p>
+            <a:pPr algn="l"/>
+            <a:r>
+              <a:rPr lang="en-US" dirty="0"/>
+              <a:t>HTTP Strict Transport Security (HSTS)</a:t>
+            </a:r>
+          </a:p>
+        </p:txBody>
+      </p:sp>
+      <p:sp>
+        <p:nvSpPr>
+          <p:cNvPr id="3" name="Content Placeholder 2"/>
+          <p:cNvSpPr>
+            <a:spLocks noGrp="1"/>
+          </p:cNvSpPr>
+          <p:nvPr>
+            <p:ph idx="1"/>
+          </p:nvPr>
+        </p:nvSpPr>
+        <p:spPr/>
+        <p:txBody>
+          <a:bodyPr/>
+          <a:lstStyle/>
+          <a:p>
+            <a:r>
+              <a:rPr lang="en-US" dirty="0"/>
+              <a:t>Mitigation for SSL Stripping.</a:t>
+            </a:r>
+            <a:br>
+              <a:rPr lang="en-US" dirty="0"/>
+            </a:br>
+            <a:endParaRPr lang="en-US" dirty="0"/>
+          </a:p>
+          <a:p>
+            <a:r>
+              <a:rPr lang="en-US" dirty="0"/>
+              <a:t>Enforces that a browser only communicates with the hostname using a HTTPS connection.</a:t>
+            </a:r>
+          </a:p>
+          <a:p>
+            <a:pPr lvl="1"/>
+            <a:r>
+              <a:rPr lang="en-US" dirty="0"/>
+              <a:t>Done by supplying a HSTS header over an HTTPS connection:</a:t>
+            </a:r>
+          </a:p>
+          <a:p>
+            <a:pPr lvl="2"/>
+            <a:r>
+              <a:rPr lang="en-US" dirty="0"/>
+              <a:t>‘Strict-Transport-Security: max-age=31536000’</a:t>
+            </a:r>
+            <a:br>
+              <a:rPr lang="en-US" dirty="0"/>
+            </a:br>
+            <a:endParaRPr lang="en-US" dirty="0"/>
+          </a:p>
+          <a:p>
+            <a:r>
+              <a:rPr lang="en-US" dirty="0"/>
+              <a:t>All insecure links are turned into secure links (http -&gt; https)</a:t>
+            </a:r>
+          </a:p>
+          <a:p>
+            <a:pPr lvl="1"/>
+            <a:r>
+              <a:rPr lang="en-US" dirty="0"/>
+              <a:t>If a link cannot be converted, an error is displayed and the page is not fetched. </a:t>
+            </a:r>
+          </a:p>
+          <a:p>
+            <a:endParaRPr lang="en-US" dirty="0"/>
+          </a:p>
+        </p:txBody>
+      </p:sp>
+    </p:spTree>
+    <p:extLst>
+      <p:ext uri="{BB962C8B-B14F-4D97-AF65-F5344CB8AC3E}">
+        <p14:creationId xmlns:p14="http://schemas.microsoft.com/office/powerpoint/2010/main" val="471306407"/>
+      </p:ext>
+    </p:extLst>
+  </p:cSld>
+  <p:clrMapOvr>
+    <a:masterClrMapping/>
+  </p:clrMapOvr>
+</p:sld>
+</file>
+
+<file path=ppt/slides/slide18.xml><?xml version="1.0" encoding="utf-8"?>
+<p:sld xmlns:a="http://schemas.openxmlformats.org/drawingml/2006/main" xmlns:r="http://schemas.openxmlformats.org/officeDocument/2006/relationships" xmlns:p="http://schemas.openxmlformats.org/presentationml/2006/main">
+  <p:cSld>
+    <p:spTree>
+      <p:nvGrpSpPr>
+        <p:cNvPr id="1" name=""/>
+        <p:cNvGrpSpPr/>
+        <p:nvPr/>
+      </p:nvGrpSpPr>
+      <p:grpSpPr>
+        <a:xfrm>
+          <a:off x="0" y="0"/>
+          <a:ext cx="0" cy="0"/>
+          <a:chOff x="0" y="0"/>
+          <a:chExt cx="0" cy="0"/>
+        </a:xfrm>
+      </p:grpSpPr>
+      <p:sp>
+        <p:nvSpPr>
+          <p:cNvPr id="2" name="Title 1"/>
+          <p:cNvSpPr>
+            <a:spLocks noGrp="1"/>
+          </p:cNvSpPr>
+          <p:nvPr>
+            <p:ph type="title"/>
+          </p:nvPr>
+        </p:nvSpPr>
+        <p:spPr/>
+        <p:txBody>
+          <a:bodyPr/>
+          <a:lstStyle/>
+          <a:p>
+            <a:pPr algn="l"/>
+            <a:r>
+              <a:rPr lang="en-US" dirty="0"/>
+              <a:t>Question..</a:t>
+            </a:r>
+          </a:p>
+        </p:txBody>
+      </p:sp>
+      <p:sp>
+        <p:nvSpPr>
+          <p:cNvPr id="3" name="Content Placeholder 2"/>
+          <p:cNvSpPr>
+            <a:spLocks noGrp="1"/>
+          </p:cNvSpPr>
+          <p:nvPr>
+            <p:ph idx="1"/>
+          </p:nvPr>
+        </p:nvSpPr>
+        <p:spPr/>
+        <p:txBody>
+          <a:bodyPr/>
+          <a:lstStyle/>
+          <a:p>
+            <a:r>
+              <a:rPr lang="en-US" dirty="0"/>
+              <a:t>Let’s say I create a website that impersonates Bank.com and have successfully poisoned Bob’s DNS cache, pointing his browser at my website. Unfortunately, Bank.com is HSTS enabled.</a:t>
+            </a:r>
+            <a:br>
+              <a:rPr lang="en-US" dirty="0"/>
+            </a:br>
+            <a:endParaRPr lang="en-US" dirty="0"/>
+          </a:p>
+          <a:p>
+            <a:r>
+              <a:rPr lang="en-US" dirty="0"/>
+              <a:t>I want to </a:t>
+            </a:r>
+            <a:r>
+              <a:rPr lang="en-US" i="1" dirty="0"/>
+              <a:t>forge</a:t>
+            </a:r>
+            <a:r>
+              <a:rPr lang="en-US" dirty="0"/>
+              <a:t> the certificate for Bank.com and act as a proxy between Bob and Bank.com, transparently watching traffic between the two.</a:t>
+            </a:r>
+            <a:br>
+              <a:rPr lang="en-US" dirty="0"/>
+            </a:br>
+            <a:endParaRPr lang="en-US" dirty="0"/>
+          </a:p>
+          <a:p>
+            <a:r>
+              <a:rPr lang="en-US" dirty="0"/>
+              <a:t>The public key in the certificate is in plaintext, so I replace it with my own and send it to Bob.</a:t>
+            </a:r>
+            <a:br>
+              <a:rPr lang="en-US" dirty="0"/>
+            </a:br>
+            <a:endParaRPr lang="en-US" dirty="0"/>
+          </a:p>
+          <a:p>
+            <a:r>
+              <a:rPr lang="en-US" dirty="0"/>
+              <a:t>What happens next?</a:t>
+            </a:r>
+          </a:p>
+        </p:txBody>
+      </p:sp>
+    </p:spTree>
+    <p:extLst>
+      <p:ext uri="{BB962C8B-B14F-4D97-AF65-F5344CB8AC3E}">
+        <p14:creationId xmlns:p14="http://schemas.microsoft.com/office/powerpoint/2010/main" val="371425612"/>
+      </p:ext>
+    </p:extLst>
+  </p:cSld>
+  <p:clrMapOvr>
+    <a:masterClrMapping/>
+  </p:clrMapOvr>
+</p:sld>
+</file>
+
+<file path=ppt/slides/slide19.xml><?xml version="1.0" encoding="utf-8"?>
+<p:sld xmlns:a="http://schemas.openxmlformats.org/drawingml/2006/main" xmlns:r="http://schemas.openxmlformats.org/officeDocument/2006/relationships" xmlns:p="http://schemas.openxmlformats.org/presentationml/2006/main">
+  <p:cSld>
+    <p:spTree>
+      <p:nvGrpSpPr>
+        <p:cNvPr id="1" name=""/>
+        <p:cNvGrpSpPr/>
+        <p:nvPr/>
+      </p:nvGrpSpPr>
+      <p:grpSpPr>
+        <a:xfrm>
+          <a:off x="0" y="0"/>
+          <a:ext cx="0" cy="0"/>
+          <a:chOff x="0" y="0"/>
+          <a:chExt cx="0" cy="0"/>
+        </a:xfrm>
+      </p:grpSpPr>
+      <p:sp>
+        <p:nvSpPr>
+          <p:cNvPr id="2" name="Title 1"/>
+          <p:cNvSpPr>
+            <a:spLocks noGrp="1"/>
+          </p:cNvSpPr>
+          <p:nvPr>
+            <p:ph type="title"/>
+          </p:nvPr>
+        </p:nvSpPr>
+        <p:spPr/>
+        <p:txBody>
+          <a:bodyPr/>
+          <a:lstStyle/>
+          <a:p>
+            <a:pPr algn="l"/>
+            <a:r>
+              <a:rPr lang="en-US" dirty="0"/>
+              <a:t>Answer</a:t>
+            </a:r>
+          </a:p>
+        </p:txBody>
+      </p:sp>
+      <p:pic>
+        <p:nvPicPr>
+          <p:cNvPr id="4" name="Content Placeholder 3"/>
+          <p:cNvPicPr>
+            <a:picLocks noGrp="1" noChangeAspect="1"/>
+          </p:cNvPicPr>
+          <p:nvPr>
+            <p:ph sz="half" idx="1"/>
+          </p:nvPr>
+        </p:nvPicPr>
+        <p:blipFill>
+          <a:blip r:embed="rId2"/>
+          <a:stretch>
+            <a:fillRect/>
+          </a:stretch>
+        </p:blipFill>
+        <p:spPr>
+          <a:xfrm>
+            <a:off x="6090676" y="2339763"/>
+            <a:ext cx="5724705" cy="2844120"/>
+          </a:xfrm>
+          <a:prstGeom prst="rect">
+            <a:avLst/>
+          </a:prstGeom>
+        </p:spPr>
+      </p:pic>
+      <p:sp>
+        <p:nvSpPr>
+          <p:cNvPr id="5" name="Content Placeholder 4"/>
+          <p:cNvSpPr>
+            <a:spLocks noGrp="1"/>
+          </p:cNvSpPr>
+          <p:nvPr>
+            <p:ph sz="half" idx="2"/>
+          </p:nvPr>
+        </p:nvSpPr>
+        <p:spPr>
+          <a:xfrm>
+            <a:off x="913795" y="1732448"/>
+            <a:ext cx="5064665" cy="4058751"/>
+          </a:xfrm>
+        </p:spPr>
+        <p:txBody>
+          <a:bodyPr/>
+          <a:lstStyle/>
+          <a:p>
+            <a:r>
+              <a:rPr lang="en-US" dirty="0"/>
+              <a:t>Bob’s browser will </a:t>
+            </a:r>
+            <a:r>
+              <a:rPr lang="en-US" i="1" dirty="0"/>
+              <a:t>verify</a:t>
+            </a:r>
+            <a:r>
+              <a:rPr lang="en-US" dirty="0"/>
+              <a:t> the signature in the certificate, which was a hash of the original certificate.</a:t>
+            </a:r>
+          </a:p>
+          <a:p>
+            <a:r>
+              <a:rPr lang="en-US" dirty="0"/>
+              <a:t>Since the public key was changed, when the browser computes the hash, it is </a:t>
+            </a:r>
+            <a:r>
+              <a:rPr lang="en-US" i="1" dirty="0"/>
+              <a:t>different</a:t>
+            </a:r>
+            <a:r>
+              <a:rPr lang="en-US" dirty="0"/>
+              <a:t> from the hash in the signature.</a:t>
+            </a:r>
+          </a:p>
+          <a:p>
+            <a:r>
+              <a:rPr lang="en-US" dirty="0"/>
+              <a:t>The browser displays the error message to the right.</a:t>
+            </a:r>
+          </a:p>
+          <a:p>
+            <a:r>
+              <a:rPr lang="en-US" dirty="0"/>
+              <a:t>Bob tries to click-through anyways because he didn’t read and is impatient, but the browser won’t let him in this case.</a:t>
+            </a:r>
+          </a:p>
+        </p:txBody>
+      </p:sp>
+    </p:spTree>
+    <p:extLst>
+      <p:ext uri="{BB962C8B-B14F-4D97-AF65-F5344CB8AC3E}">
+        <p14:creationId xmlns:p14="http://schemas.microsoft.com/office/powerpoint/2010/main" val="1628586202"/>
+      </p:ext>
+    </p:extLst>
+  </p:cSld>
+  <p:clrMapOvr>
+    <a:masterClrMapping/>
+  </p:clrMapOvr>
+</p:sld>
+</file>
+
 <file path=ppt/slides/slide2.xml><?xml version="1.0" encoding="utf-8"?>
 <p:sld xmlns:a="http://schemas.openxmlformats.org/drawingml/2006/main" xmlns:r="http://schemas.openxmlformats.org/officeDocument/2006/relationships" xmlns:p="http://schemas.openxmlformats.org/presentationml/2006/main">
   <p:cSld>
@@ -6232,7 +8322,7 @@
               <a:rPr lang="en-US" dirty="0">
                 <a:effectLst/>
               </a:rPr>
-              <a:t>More details as they come available.</a:t>
+              <a:t>More details as they become available.</a:t>
             </a:r>
             <a:endParaRPr lang="en-US" dirty="0"/>
           </a:p>
@@ -6242,6 +8332,346 @@
     <p:extLst>
       <p:ext uri="{BB962C8B-B14F-4D97-AF65-F5344CB8AC3E}">
         <p14:creationId xmlns:p14="http://schemas.microsoft.com/office/powerpoint/2010/main" val="477014691"/>
+      </p:ext>
+    </p:extLst>
+  </p:cSld>
+  <p:clrMapOvr>
+    <a:masterClrMapping/>
+  </p:clrMapOvr>
+</p:sld>
+</file>
+
+<file path=ppt/slides/slide20.xml><?xml version="1.0" encoding="utf-8"?>
+<p:sld xmlns:a="http://schemas.openxmlformats.org/drawingml/2006/main" xmlns:r="http://schemas.openxmlformats.org/officeDocument/2006/relationships" xmlns:p="http://schemas.openxmlformats.org/presentationml/2006/main">
+  <p:cSld>
+    <p:spTree>
+      <p:nvGrpSpPr>
+        <p:cNvPr id="1" name=""/>
+        <p:cNvGrpSpPr/>
+        <p:nvPr/>
+      </p:nvGrpSpPr>
+      <p:grpSpPr>
+        <a:xfrm>
+          <a:off x="0" y="0"/>
+          <a:ext cx="0" cy="0"/>
+          <a:chOff x="0" y="0"/>
+          <a:chExt cx="0" cy="0"/>
+        </a:xfrm>
+      </p:grpSpPr>
+      <p:sp>
+        <p:nvSpPr>
+          <p:cNvPr id="2" name="Title 1"/>
+          <p:cNvSpPr>
+            <a:spLocks noGrp="1"/>
+          </p:cNvSpPr>
+          <p:nvPr>
+            <p:ph type="title"/>
+          </p:nvPr>
+        </p:nvSpPr>
+        <p:spPr/>
+        <p:txBody>
+          <a:bodyPr/>
+          <a:lstStyle/>
+          <a:p>
+            <a:pPr algn="l"/>
+            <a:r>
+              <a:rPr lang="en-US" dirty="0"/>
+              <a:t>What about Burp Suite?</a:t>
+            </a:r>
+          </a:p>
+        </p:txBody>
+      </p:sp>
+      <p:sp>
+        <p:nvSpPr>
+          <p:cNvPr id="3" name="Content Placeholder 2"/>
+          <p:cNvSpPr>
+            <a:spLocks noGrp="1"/>
+          </p:cNvSpPr>
+          <p:nvPr>
+            <p:ph idx="1"/>
+          </p:nvPr>
+        </p:nvSpPr>
+        <p:spPr/>
+        <p:txBody>
+          <a:bodyPr/>
+          <a:lstStyle/>
+          <a:p>
+            <a:r>
+              <a:rPr lang="en-US" dirty="0"/>
+              <a:t>Why did we get the warnings when we tried to visit sites that used HTTPS?</a:t>
+            </a:r>
+          </a:p>
+        </p:txBody>
+      </p:sp>
+    </p:spTree>
+    <p:extLst>
+      <p:ext uri="{BB962C8B-B14F-4D97-AF65-F5344CB8AC3E}">
+        <p14:creationId xmlns:p14="http://schemas.microsoft.com/office/powerpoint/2010/main" val="4278551960"/>
+      </p:ext>
+    </p:extLst>
+  </p:cSld>
+  <p:clrMapOvr>
+    <a:masterClrMapping/>
+  </p:clrMapOvr>
+</p:sld>
+</file>
+
+<file path=ppt/slides/slide21.xml><?xml version="1.0" encoding="utf-8"?>
+<p:sld xmlns:a="http://schemas.openxmlformats.org/drawingml/2006/main" xmlns:r="http://schemas.openxmlformats.org/officeDocument/2006/relationships" xmlns:p="http://schemas.openxmlformats.org/presentationml/2006/main">
+  <p:cSld>
+    <p:spTree>
+      <p:nvGrpSpPr>
+        <p:cNvPr id="1" name=""/>
+        <p:cNvGrpSpPr/>
+        <p:nvPr/>
+      </p:nvGrpSpPr>
+      <p:grpSpPr>
+        <a:xfrm>
+          <a:off x="0" y="0"/>
+          <a:ext cx="0" cy="0"/>
+          <a:chOff x="0" y="0"/>
+          <a:chExt cx="0" cy="0"/>
+        </a:xfrm>
+      </p:grpSpPr>
+      <p:pic>
+        <p:nvPicPr>
+          <p:cNvPr id="5" name="Picture 4"/>
+          <p:cNvPicPr>
+            <a:picLocks noChangeAspect="1"/>
+          </p:cNvPicPr>
+          <p:nvPr/>
+        </p:nvPicPr>
+        <p:blipFill>
+          <a:blip r:embed="rId2">
+            <a:extLst>
+              <a:ext uri="{28A0092B-C50C-407E-A947-70E740481C1C}">
+                <a14:useLocalDpi xmlns:a14="http://schemas.microsoft.com/office/drawing/2010/main" val="0"/>
+              </a:ext>
+            </a:extLst>
+          </a:blip>
+          <a:stretch>
+            <a:fillRect/>
+          </a:stretch>
+        </p:blipFill>
+        <p:spPr>
+          <a:xfrm>
+            <a:off x="2085278" y="777849"/>
+            <a:ext cx="8263054" cy="4496292"/>
+          </a:xfrm>
+          <a:prstGeom prst="rect">
+            <a:avLst/>
+          </a:prstGeom>
+        </p:spPr>
+      </p:pic>
+      <p:pic>
+        <p:nvPicPr>
+          <p:cNvPr id="6" name="Picture 5"/>
+          <p:cNvPicPr>
+            <a:picLocks noChangeAspect="1"/>
+          </p:cNvPicPr>
+          <p:nvPr/>
+        </p:nvPicPr>
+        <p:blipFill>
+          <a:blip r:embed="rId3">
+            <a:extLst>
+              <a:ext uri="{28A0092B-C50C-407E-A947-70E740481C1C}">
+                <a14:useLocalDpi xmlns:a14="http://schemas.microsoft.com/office/drawing/2010/main" val="0"/>
+              </a:ext>
+            </a:extLst>
+          </a:blip>
+          <a:stretch>
+            <a:fillRect/>
+          </a:stretch>
+        </p:blipFill>
+        <p:spPr>
+          <a:xfrm>
+            <a:off x="4946964" y="3140466"/>
+            <a:ext cx="2539682" cy="2539682"/>
+          </a:xfrm>
+          <a:prstGeom prst="rect">
+            <a:avLst/>
+          </a:prstGeom>
+        </p:spPr>
+      </p:pic>
+    </p:spTree>
+    <p:extLst>
+      <p:ext uri="{BB962C8B-B14F-4D97-AF65-F5344CB8AC3E}">
+        <p14:creationId xmlns:p14="http://schemas.microsoft.com/office/powerpoint/2010/main" val="107562284"/>
+      </p:ext>
+    </p:extLst>
+  </p:cSld>
+  <p:clrMapOvr>
+    <a:masterClrMapping/>
+  </p:clrMapOvr>
+  <p:timing>
+    <p:tnLst>
+      <p:par>
+        <p:cTn id="1" dur="indefinite" restart="never" nodeType="tmRoot">
+          <p:childTnLst>
+            <p:seq concurrent="1" nextAc="seek">
+              <p:cTn id="2" dur="indefinite" nodeType="mainSeq">
+                <p:childTnLst>
+                  <p:par>
+                    <p:cTn id="3" fill="hold">
+                      <p:stCondLst>
+                        <p:cond delay="indefinite"/>
+                      </p:stCondLst>
+                      <p:childTnLst>
+                        <p:par>
+                          <p:cTn id="4" fill="hold">
+                            <p:stCondLst>
+                              <p:cond delay="0"/>
+                            </p:stCondLst>
+                            <p:childTnLst>
+                              <p:par>
+                                <p:cTn id="5" presetID="2" presetClass="entr" presetSubtype="4" fill="hold" nodeType="clickEffect">
+                                  <p:stCondLst>
+                                    <p:cond delay="0"/>
+                                  </p:stCondLst>
+                                  <p:childTnLst>
+                                    <p:set>
+                                      <p:cBhvr>
+                                        <p:cTn id="6" dur="1" fill="hold">
+                                          <p:stCondLst>
+                                            <p:cond delay="0"/>
+                                          </p:stCondLst>
+                                        </p:cTn>
+                                        <p:tgtEl>
+                                          <p:spTgt spid="6"/>
+                                        </p:tgtEl>
+                                        <p:attrNameLst>
+                                          <p:attrName>style.visibility</p:attrName>
+                                        </p:attrNameLst>
+                                      </p:cBhvr>
+                                      <p:to>
+                                        <p:strVal val="visible"/>
+                                      </p:to>
+                                    </p:set>
+                                    <p:anim calcmode="lin" valueType="num">
+                                      <p:cBhvr additive="base">
+                                        <p:cTn id="7" dur="500" fill="hold"/>
+                                        <p:tgtEl>
+                                          <p:spTgt spid="6"/>
+                                        </p:tgtEl>
+                                        <p:attrNameLst>
+                                          <p:attrName>ppt_x</p:attrName>
+                                        </p:attrNameLst>
+                                      </p:cBhvr>
+                                      <p:tavLst>
+                                        <p:tav tm="0">
+                                          <p:val>
+                                            <p:strVal val="#ppt_x"/>
+                                          </p:val>
+                                        </p:tav>
+                                        <p:tav tm="100000">
+                                          <p:val>
+                                            <p:strVal val="#ppt_x"/>
+                                          </p:val>
+                                        </p:tav>
+                                      </p:tavLst>
+                                    </p:anim>
+                                    <p:anim calcmode="lin" valueType="num">
+                                      <p:cBhvr additive="base">
+                                        <p:cTn id="8" dur="500" fill="hold"/>
+                                        <p:tgtEl>
+                                          <p:spTgt spid="6"/>
+                                        </p:tgtEl>
+                                        <p:attrNameLst>
+                                          <p:attrName>ppt_y</p:attrName>
+                                        </p:attrNameLst>
+                                      </p:cBhvr>
+                                      <p:tavLst>
+                                        <p:tav tm="0">
+                                          <p:val>
+                                            <p:strVal val="1+#ppt_h/2"/>
+                                          </p:val>
+                                        </p:tav>
+                                        <p:tav tm="100000">
+                                          <p:val>
+                                            <p:strVal val="#ppt_y"/>
+                                          </p:val>
+                                        </p:tav>
+                                      </p:tavLst>
+                                    </p:anim>
+                                  </p:childTnLst>
+                                </p:cTn>
+                              </p:par>
+                            </p:childTnLst>
+                          </p:cTn>
+                        </p:par>
+                      </p:childTnLst>
+                    </p:cTn>
+                  </p:par>
+                </p:childTnLst>
+              </p:cTn>
+              <p:prevCondLst>
+                <p:cond evt="onPrev" delay="0">
+                  <p:tgtEl>
+                    <p:sldTgt/>
+                  </p:tgtEl>
+                </p:cond>
+              </p:prevCondLst>
+              <p:nextCondLst>
+                <p:cond evt="onNext" delay="0">
+                  <p:tgtEl>
+                    <p:sldTgt/>
+                  </p:tgtEl>
+                </p:cond>
+              </p:nextCondLst>
+            </p:seq>
+          </p:childTnLst>
+        </p:cTn>
+      </p:par>
+    </p:tnLst>
+  </p:timing>
+</p:sld>
+</file>
+
+<file path=ppt/slides/slide22.xml><?xml version="1.0" encoding="utf-8"?>
+<p:sld xmlns:a="http://schemas.openxmlformats.org/drawingml/2006/main" xmlns:r="http://schemas.openxmlformats.org/officeDocument/2006/relationships" xmlns:p="http://schemas.openxmlformats.org/presentationml/2006/main">
+  <p:cSld>
+    <p:spTree>
+      <p:nvGrpSpPr>
+        <p:cNvPr id="1" name=""/>
+        <p:cNvGrpSpPr/>
+        <p:nvPr/>
+      </p:nvGrpSpPr>
+      <p:grpSpPr>
+        <a:xfrm>
+          <a:off x="0" y="0"/>
+          <a:ext cx="0" cy="0"/>
+          <a:chOff x="0" y="0"/>
+          <a:chExt cx="0" cy="0"/>
+        </a:xfrm>
+      </p:grpSpPr>
+      <p:sp>
+        <p:nvSpPr>
+          <p:cNvPr id="2" name="Title 1"/>
+          <p:cNvSpPr>
+            <a:spLocks noGrp="1"/>
+          </p:cNvSpPr>
+          <p:nvPr>
+            <p:ph type="title"/>
+          </p:nvPr>
+        </p:nvSpPr>
+        <p:spPr/>
+        <p:txBody>
+          <a:bodyPr>
+            <a:normAutofit/>
+          </a:bodyPr>
+          <a:lstStyle/>
+          <a:p>
+            <a:r>
+              <a:rPr lang="en-US" sz="7200" dirty="0"/>
+              <a:t>Questions?</a:t>
+            </a:r>
+          </a:p>
+        </p:txBody>
+      </p:sp>
+    </p:spTree>
+    <p:extLst>
+      <p:ext uri="{BB962C8B-B14F-4D97-AF65-F5344CB8AC3E}">
+        <p14:creationId xmlns:p14="http://schemas.microsoft.com/office/powerpoint/2010/main" val="530309170"/>
       </p:ext>
     </p:extLst>
   </p:cSld>
@@ -6455,40 +8885,142 @@
         </p:nvSpPr>
         <p:spPr/>
         <p:txBody>
+          <a:bodyPr>
+            <a:normAutofit fontScale="90000"/>
+          </a:bodyPr>
+          <a:lstStyle/>
+          <a:p>
+            <a:pPr algn="l"/>
+            <a:r>
+              <a:rPr lang="en-US" dirty="0"/>
+              <a:t>Transport Layer Security (TLS) and Certificates</a:t>
+            </a:r>
+          </a:p>
+        </p:txBody>
+      </p:sp>
+      <p:sp>
+        <p:nvSpPr>
+          <p:cNvPr id="3" name="Content Placeholder 2"/>
+          <p:cNvSpPr>
+            <a:spLocks noGrp="1"/>
+          </p:cNvSpPr>
+          <p:nvPr>
+            <p:ph sz="half" idx="1"/>
+          </p:nvPr>
+        </p:nvSpPr>
+        <p:spPr/>
+        <p:txBody>
           <a:bodyPr/>
           <a:lstStyle/>
           <a:p>
-            <a:pPr algn="l"/>
-            <a:r>
-              <a:rPr lang="en-US" dirty="0"/>
-              <a:t>Certificates and SSH</a:t>
-            </a:r>
-          </a:p>
-        </p:txBody>
-      </p:sp>
-      <p:sp>
-        <p:nvSpPr>
-          <p:cNvPr id="3" name="Content Placeholder 2"/>
-          <p:cNvSpPr>
-            <a:spLocks noGrp="1"/>
-          </p:cNvSpPr>
-          <p:nvPr>
-            <p:ph idx="1"/>
-          </p:nvPr>
-        </p:nvSpPr>
-        <p:spPr/>
-        <p:txBody>
-          <a:bodyPr/>
-          <a:lstStyle/>
-          <a:p>
+            <a:r>
+              <a:rPr lang="en-US" dirty="0"/>
+              <a:t>We rely on it everyday in the form of HTTPS when browsing the web.</a:t>
+            </a:r>
+            <a:br>
+              <a:rPr lang="en-US" dirty="0"/>
+            </a:br>
             <a:endParaRPr lang="en-US" dirty="0"/>
+          </a:p>
+          <a:p>
+            <a:r>
+              <a:rPr lang="en-US" dirty="0"/>
+              <a:t>Both are used in combination to </a:t>
+            </a:r>
+            <a:r>
+              <a:rPr lang="en-US" i="1" dirty="0"/>
+              <a:t>authenticate</a:t>
+            </a:r>
+            <a:r>
+              <a:rPr lang="en-US" dirty="0"/>
+              <a:t> the server we are talking with and </a:t>
+            </a:r>
+            <a:r>
+              <a:rPr lang="en-US" i="1" dirty="0"/>
+              <a:t>securing</a:t>
+            </a:r>
+            <a:r>
+              <a:rPr lang="en-US" dirty="0"/>
+              <a:t> our data with encryption from eavesdroppers.</a:t>
+            </a:r>
+            <a:br>
+              <a:rPr lang="en-US" dirty="0"/>
+            </a:br>
+            <a:endParaRPr lang="en-US" dirty="0"/>
+          </a:p>
+          <a:p>
+            <a:r>
+              <a:rPr lang="en-US" dirty="0"/>
+              <a:t>Today we will be discussing certificates and the role that Certificate Authorities play.</a:t>
+            </a:r>
+          </a:p>
+        </p:txBody>
+      </p:sp>
+      <p:pic>
+        <p:nvPicPr>
+          <p:cNvPr id="6" name="Content Placeholder 5"/>
+          <p:cNvPicPr>
+            <a:picLocks noGrp="1" noChangeAspect="1"/>
+          </p:cNvPicPr>
+          <p:nvPr>
+            <p:ph sz="half" idx="2"/>
+          </p:nvPr>
+        </p:nvPicPr>
+        <p:blipFill>
+          <a:blip r:embed="rId2">
+            <a:extLst>
+              <a:ext uri="{28A0092B-C50C-407E-A947-70E740481C1C}">
+                <a14:useLocalDpi xmlns:a14="http://schemas.microsoft.com/office/drawing/2010/main" val="0"/>
+              </a:ext>
+            </a:extLst>
+          </a:blip>
+          <a:stretch>
+            <a:fillRect/>
+          </a:stretch>
+        </p:blipFill>
+        <p:spPr>
+          <a:xfrm>
+            <a:off x="6201845" y="2495396"/>
+            <a:ext cx="5065712" cy="2532856"/>
+          </a:xfrm>
+        </p:spPr>
+      </p:pic>
+      <p:sp>
+        <p:nvSpPr>
+          <p:cNvPr id="7" name="TextBox 6"/>
+          <p:cNvSpPr txBox="1"/>
+          <p:nvPr/>
+        </p:nvSpPr>
+        <p:spPr>
+          <a:xfrm>
+            <a:off x="6737487" y="4971548"/>
+            <a:ext cx="3994427" cy="276999"/>
+          </a:xfrm>
+          <a:prstGeom prst="rect">
+            <a:avLst/>
+          </a:prstGeom>
+          <a:noFill/>
+        </p:spPr>
+        <p:txBody>
+          <a:bodyPr wrap="none" rtlCol="0">
+            <a:spAutoFit/>
+          </a:bodyPr>
+          <a:lstStyle/>
+          <a:p>
+            <a:r>
+              <a:rPr lang="en-US" sz="1200" dirty="0">
+                <a:hlinkClick r:id="rId3"/>
+              </a:rPr>
+              <a:t>http://rigor.com/wp-content/uploads/2017/01/https.png</a:t>
+            </a:r>
+            <a:endParaRPr lang="en-US" sz="1200" dirty="0"/>
           </a:p>
         </p:txBody>
       </p:sp>
     </p:spTree>
     <p:extLst>
       <p:ext uri="{BB962C8B-B14F-4D97-AF65-F5344CB8AC3E}">
-        <p14:creationId xmlns:p14="http://schemas.microsoft.com/office/powerpoint/2010/main" val="1911170326"/>
+        <p14:creationId xmlns:p14="http://schemas.microsoft.com/office/powerpoint/2010/main" val="481127313"/>
       </p:ext>
     </p:extLst>
   </p:cSld>
@@ -6548,12 +9080,116 @@
             <p:ph idx="1"/>
           </p:nvPr>
         </p:nvSpPr>
-        <p:spPr/>
-        <p:txBody>
-          <a:bodyPr/>
-          <a:lstStyle/>
-          <a:p>
-            <a:endParaRPr lang="en-US"/>
+        <p:spPr>
+          <a:xfrm>
+            <a:off x="913795" y="1732449"/>
+            <a:ext cx="5252829" cy="4058751"/>
+          </a:xfrm>
+        </p:spPr>
+        <p:txBody>
+          <a:bodyPr>
+            <a:normAutofit lnSpcReduction="10000"/>
+          </a:bodyPr>
+          <a:lstStyle/>
+          <a:p>
+            <a:r>
+              <a:rPr lang="en-US" dirty="0"/>
+              <a:t>The process of securing information in the presence of a third-party, often known as the </a:t>
+            </a:r>
+            <a:r>
+              <a:rPr lang="en-US" i="1" dirty="0"/>
+              <a:t>adversary</a:t>
+            </a:r>
+            <a:r>
+              <a:rPr lang="en-US" dirty="0"/>
+              <a:t>.</a:t>
+            </a:r>
+          </a:p>
+          <a:p>
+            <a:pPr lvl="1"/>
+            <a:r>
+              <a:rPr lang="en-US" dirty="0"/>
+              <a:t>Cryptosystems are based on known, computationally hard mathematical problems.</a:t>
+            </a:r>
+          </a:p>
+          <a:p>
+            <a:pPr lvl="1"/>
+            <a:r>
+              <a:rPr lang="en-US" dirty="0"/>
+              <a:t>E.g. RSA revolves around the factoring problem.</a:t>
+            </a:r>
+            <a:br>
+              <a:rPr lang="en-US" dirty="0"/>
+            </a:br>
+            <a:endParaRPr lang="en-US" dirty="0"/>
+          </a:p>
+          <a:p>
+            <a:r>
+              <a:rPr lang="en-US" dirty="0"/>
+              <a:t>The certificate system relies on public-key cryptography, whereas TLS relies on both public-key and symmetric-key cryptography.</a:t>
+            </a:r>
+          </a:p>
+        </p:txBody>
+      </p:sp>
+      <p:pic>
+        <p:nvPicPr>
+          <p:cNvPr id="4" name="Picture 3"/>
+          <p:cNvPicPr>
+            <a:picLocks noChangeAspect="1"/>
+          </p:cNvPicPr>
+          <p:nvPr/>
+        </p:nvPicPr>
+        <p:blipFill>
+          <a:blip r:embed="rId2">
+            <a:extLst>
+              <a:ext uri="{28A0092B-C50C-407E-A947-70E740481C1C}">
+                <a14:useLocalDpi xmlns:a14="http://schemas.microsoft.com/office/drawing/2010/main" val="0"/>
+              </a:ext>
+            </a:extLst>
+          </a:blip>
+          <a:stretch>
+            <a:fillRect/>
+          </a:stretch>
+        </p:blipFill>
+        <p:spPr>
+          <a:xfrm>
+            <a:off x="6166624" y="1997162"/>
+            <a:ext cx="5290503" cy="3529323"/>
+          </a:xfrm>
+          <a:prstGeom prst="rect">
+            <a:avLst/>
+          </a:prstGeom>
+        </p:spPr>
+      </p:pic>
+      <p:sp>
+        <p:nvSpPr>
+          <p:cNvPr id="5" name="TextBox 4"/>
+          <p:cNvSpPr txBox="1"/>
+          <p:nvPr/>
+        </p:nvSpPr>
+        <p:spPr>
+          <a:xfrm>
+            <a:off x="6219883" y="5573672"/>
+            <a:ext cx="5183983" cy="276999"/>
+          </a:xfrm>
+          <a:prstGeom prst="rect">
+            <a:avLst/>
+          </a:prstGeom>
+          <a:noFill/>
+        </p:spPr>
+        <p:txBody>
+          <a:bodyPr wrap="none" rtlCol="0">
+            <a:spAutoFit/>
+          </a:bodyPr>
+          <a:lstStyle/>
+          <a:p>
+            <a:r>
+              <a:rPr lang="en-US" sz="1200" dirty="0">
+                <a:hlinkClick r:id="rId3"/>
+              </a:rPr>
+              <a:t>http://pfsensesetup.com/wp-content/uploads/2013/12/sn-cryptography.jpg</a:t>
+            </a:r>
+            <a:endParaRPr lang="en-US" sz="1200" dirty="0"/>
           </a:p>
         </p:txBody>
       </p:sp>
@@ -6604,29 +9240,131 @@
           <a:p>
             <a:pPr algn="l"/>
             <a:r>
-              <a:rPr lang="en-US"/>
-              <a:t>S</a:t>
-            </a:r>
-            <a:endParaRPr lang="en-US"/>
-          </a:p>
-        </p:txBody>
-      </p:sp>
-      <p:sp>
-        <p:nvSpPr>
-          <p:cNvPr id="3" name="Content Placeholder 2"/>
-          <p:cNvSpPr>
-            <a:spLocks noGrp="1"/>
-          </p:cNvSpPr>
-          <p:nvPr>
-            <p:ph idx="1"/>
-          </p:nvPr>
-        </p:nvSpPr>
-        <p:spPr/>
+              <a:rPr lang="en-US" dirty="0"/>
+              <a:t>Symmetric-key Cryptography</a:t>
+            </a:r>
+          </a:p>
+        </p:txBody>
+      </p:sp>
+      <p:sp>
+        <p:nvSpPr>
+          <p:cNvPr id="4" name="Content Placeholder 3"/>
+          <p:cNvSpPr>
+            <a:spLocks noGrp="1"/>
+          </p:cNvSpPr>
+          <p:nvPr>
+            <p:ph sz="half" idx="1"/>
+          </p:nvPr>
+        </p:nvSpPr>
+        <p:spPr>
+          <a:xfrm>
+            <a:off x="913795" y="1988927"/>
+            <a:ext cx="5060497" cy="4058750"/>
+          </a:xfrm>
+        </p:spPr>
         <p:txBody>
           <a:bodyPr/>
           <a:lstStyle/>
           <a:p>
-            <a:endParaRPr lang="en-US"/>
+            <a:r>
+              <a:rPr lang="en-US" dirty="0"/>
+              <a:t>A single key is agreed upon by both parties to encrypt messages.</a:t>
+            </a:r>
+          </a:p>
+          <a:p>
+            <a:pPr lvl="1"/>
+            <a:r>
+              <a:rPr lang="en-US" dirty="0"/>
+              <a:t>Very Fast</a:t>
+            </a:r>
+          </a:p>
+          <a:p>
+            <a:pPr lvl="1"/>
+            <a:r>
+              <a:rPr lang="en-US" dirty="0"/>
+              <a:t>Key must be delivered to other party securely.</a:t>
+            </a:r>
+          </a:p>
+          <a:p>
+            <a:r>
+              <a:rPr lang="en-US" dirty="0"/>
+              <a:t>Examples:</a:t>
+            </a:r>
+          </a:p>
+          <a:p>
+            <a:pPr lvl="1"/>
+            <a:r>
+              <a:rPr lang="en-US" dirty="0"/>
+              <a:t>Caesar Cipher</a:t>
+            </a:r>
+          </a:p>
+          <a:p>
+            <a:pPr lvl="1"/>
+            <a:r>
+              <a:rPr lang="en-US" dirty="0"/>
+              <a:t>Advanced Encryption System (AES)</a:t>
+            </a:r>
+          </a:p>
+        </p:txBody>
+      </p:sp>
+      <p:pic>
+        <p:nvPicPr>
+          <p:cNvPr id="6" name="Content Placeholder 5"/>
+          <p:cNvPicPr>
+            <a:picLocks noGrp="1" noChangeAspect="1"/>
+          </p:cNvPicPr>
+          <p:nvPr>
+            <p:ph sz="half" idx="2"/>
+          </p:nvPr>
+        </p:nvPicPr>
+        <p:blipFill>
+          <a:blip r:embed="rId2">
+            <a:extLst>
+              <a:ext uri="{28A0092B-C50C-407E-A947-70E740481C1C}">
+                <a14:useLocalDpi xmlns:a14="http://schemas.microsoft.com/office/drawing/2010/main" val="0"/>
+              </a:ext>
+            </a:extLst>
+          </a:blip>
+          <a:stretch>
+            <a:fillRect/>
+          </a:stretch>
+        </p:blipFill>
+        <p:spPr>
+          <a:xfrm>
+            <a:off x="6505057" y="2335049"/>
+            <a:ext cx="4762500" cy="2619375"/>
+          </a:xfrm>
+        </p:spPr>
+      </p:pic>
+      <p:sp>
+        <p:nvSpPr>
+          <p:cNvPr id="7" name="TextBox 6"/>
+          <p:cNvSpPr txBox="1"/>
+          <p:nvPr/>
+        </p:nvSpPr>
+        <p:spPr>
+          <a:xfrm>
+            <a:off x="6567627" y="4976725"/>
+            <a:ext cx="4637360" cy="276999"/>
+          </a:xfrm>
+          <a:prstGeom prst="rect">
+            <a:avLst/>
+          </a:prstGeom>
+          <a:noFill/>
+        </p:spPr>
+        <p:txBody>
+          <a:bodyPr wrap="none" rtlCol="0">
+            <a:spAutoFit/>
+          </a:bodyPr>
+          <a:lstStyle/>
+          <a:p>
+            <a:r>
+              <a:rPr lang="en-US" sz="1200" dirty="0">
+                <a:hlinkClick r:id="rId3"/>
+              </a:rPr>
+              <a:t>http://www.securitycerts.org/images/symmetric-key-encryption.jpg</a:t>
+            </a:r>
+            <a:endParaRPr lang="en-US" sz="1200" dirty="0"/>
           </a:p>
         </p:txBody>
       </p:sp>
@@ -6685,20 +9423,144 @@
       </p:sp>
       <p:sp>
         <p:nvSpPr>
-          <p:cNvPr id="3" name="Content Placeholder 2"/>
-          <p:cNvSpPr>
-            <a:spLocks noGrp="1"/>
-          </p:cNvSpPr>
-          <p:nvPr>
-            <p:ph idx="1"/>
+          <p:cNvPr id="4" name="Content Placeholder 3"/>
+          <p:cNvSpPr>
+            <a:spLocks noGrp="1"/>
+          </p:cNvSpPr>
+          <p:nvPr>
+            <p:ph sz="half" idx="1"/>
           </p:nvPr>
         </p:nvSpPr>
         <p:spPr/>
         <p:txBody>
-          <a:bodyPr/>
-          <a:lstStyle/>
-          <a:p>
-            <a:endParaRPr lang="en-US"/>
+          <a:bodyPr>
+            <a:normAutofit lnSpcReduction="10000"/>
+          </a:bodyPr>
+          <a:lstStyle/>
+          <a:p>
+            <a:r>
+              <a:rPr lang="en-US" dirty="0"/>
+              <a:t>Pairs of asymmetric keys are used: a public key and a private key.</a:t>
+            </a:r>
+          </a:p>
+          <a:p>
+            <a:pPr lvl="1"/>
+            <a:r>
+              <a:rPr lang="en-US" dirty="0"/>
+              <a:t>Public key is used to encrypt data.</a:t>
+            </a:r>
+          </a:p>
+          <a:p>
+            <a:pPr lvl="1"/>
+            <a:r>
+              <a:rPr lang="en-US" dirty="0"/>
+              <a:t>Private key is used to decrypt data.</a:t>
+            </a:r>
+          </a:p>
+          <a:p>
+            <a:r>
+              <a:rPr lang="en-US" dirty="0"/>
+              <a:t>Can communicate securely in the presence of adversaries.</a:t>
+            </a:r>
+          </a:p>
+          <a:p>
+            <a:pPr lvl="1"/>
+            <a:r>
+              <a:rPr lang="en-US" dirty="0"/>
+              <a:t>Limited by key size.</a:t>
+            </a:r>
+          </a:p>
+          <a:p>
+            <a:pPr lvl="1"/>
+            <a:r>
+              <a:rPr lang="en-US" dirty="0"/>
+              <a:t>Slower than a symmetric key.</a:t>
+            </a:r>
+          </a:p>
+          <a:p>
+            <a:r>
+              <a:rPr lang="en-US" dirty="0"/>
+              <a:t>Examples</a:t>
+            </a:r>
+          </a:p>
+          <a:p>
+            <a:pPr lvl="1"/>
+            <a:r>
+              <a:rPr lang="en-US" dirty="0"/>
+              <a:t>RSA</a:t>
+            </a:r>
+          </a:p>
+          <a:p>
+            <a:pPr lvl="1"/>
+            <a:r>
+              <a:rPr lang="en-US" dirty="0" err="1"/>
+              <a:t>Diffie</a:t>
+            </a:r>
+            <a:r>
+              <a:rPr lang="en-US" dirty="0"/>
+              <a:t>-Hellman key exchange</a:t>
+            </a:r>
+          </a:p>
+        </p:txBody>
+      </p:sp>
+      <p:pic>
+        <p:nvPicPr>
+          <p:cNvPr id="6" name="Content Placeholder 5"/>
+          <p:cNvPicPr>
+            <a:picLocks noGrp="1" noChangeAspect="1"/>
+          </p:cNvPicPr>
+          <p:nvPr>
+            <p:ph sz="half" idx="2"/>
+          </p:nvPr>
+        </p:nvPicPr>
+        <p:blipFill>
+          <a:blip r:embed="rId2">
+            <a:extLst>
+              <a:ext uri="{28A0092B-C50C-407E-A947-70E740481C1C}">
+                <a14:useLocalDpi xmlns:a14="http://schemas.microsoft.com/office/drawing/2010/main" val="0"/>
+              </a:ext>
+            </a:extLst>
+          </a:blip>
+          <a:stretch>
+            <a:fillRect/>
+          </a:stretch>
+        </p:blipFill>
+        <p:spPr>
+          <a:xfrm>
+            <a:off x="6658124" y="1731963"/>
+            <a:ext cx="4154189" cy="4059237"/>
+          </a:xfrm>
+        </p:spPr>
+      </p:pic>
+      <p:sp>
+        <p:nvSpPr>
+          <p:cNvPr id="7" name="TextBox 6"/>
+          <p:cNvSpPr txBox="1"/>
+          <p:nvPr/>
+        </p:nvSpPr>
+        <p:spPr>
+          <a:xfrm>
+            <a:off x="6588893" y="5804613"/>
+            <a:ext cx="4292650" cy="276999"/>
+          </a:xfrm>
+          <a:prstGeom prst="rect">
+            <a:avLst/>
+          </a:prstGeom>
+          <a:noFill/>
+        </p:spPr>
+        <p:txBody>
+          <a:bodyPr wrap="none" rtlCol="0">
+            <a:spAutoFit/>
+          </a:bodyPr>
+          <a:lstStyle/>
+          <a:p>
+            <a:r>
+              <a:rPr lang="en-US" sz="1200" dirty="0">
+                <a:hlinkClick r:id="rId3"/>
+              </a:rPr>
+              <a:t>https://en.wikipedia.org/wiki/File:Public_key_encryption.svg</a:t>
+            </a:r>
+            <a:endParaRPr lang="en-US" sz="1200" dirty="0"/>
           </a:p>
         </p:txBody>
       </p:sp>
@@ -6706,6 +9568,237 @@
     <p:extLst>
       <p:ext uri="{BB962C8B-B14F-4D97-AF65-F5344CB8AC3E}">
         <p14:creationId xmlns:p14="http://schemas.microsoft.com/office/powerpoint/2010/main" val="1675526266"/>
+      </p:ext>
+    </p:extLst>
+  </p:cSld>
+  <p:clrMapOvr>
+    <a:masterClrMapping/>
+  </p:clrMapOvr>
+</p:sld>
+</file>
+
+<file path=ppt/slides/slide8.xml><?xml version="1.0" encoding="utf-8"?>
+<p:sld xmlns:a="http://schemas.openxmlformats.org/drawingml/2006/main" xmlns:r="http://schemas.openxmlformats.org/officeDocument/2006/relationships" xmlns:p="http://schemas.openxmlformats.org/presentationml/2006/main">
+  <p:cSld>
+    <p:spTree>
+      <p:nvGrpSpPr>
+        <p:cNvPr id="1" name=""/>
+        <p:cNvGrpSpPr/>
+        <p:nvPr/>
+      </p:nvGrpSpPr>
+      <p:grpSpPr>
+        <a:xfrm>
+          <a:off x="0" y="0"/>
+          <a:ext cx="0" cy="0"/>
+          <a:chOff x="0" y="0"/>
+          <a:chExt cx="0" cy="0"/>
+        </a:xfrm>
+      </p:grpSpPr>
+      <p:sp>
+        <p:nvSpPr>
+          <p:cNvPr id="2" name="Title 1"/>
+          <p:cNvSpPr>
+            <a:spLocks noGrp="1"/>
+          </p:cNvSpPr>
+          <p:nvPr>
+            <p:ph type="title"/>
+          </p:nvPr>
+        </p:nvSpPr>
+        <p:spPr/>
+        <p:txBody>
+          <a:bodyPr/>
+          <a:lstStyle/>
+          <a:p>
+            <a:pPr algn="l"/>
+            <a:r>
+              <a:rPr lang="en-US" dirty="0"/>
+              <a:t>Signing and Verifying</a:t>
+            </a:r>
+          </a:p>
+        </p:txBody>
+      </p:sp>
+      <p:sp>
+        <p:nvSpPr>
+          <p:cNvPr id="3" name="Content Placeholder 2"/>
+          <p:cNvSpPr>
+            <a:spLocks noGrp="1"/>
+          </p:cNvSpPr>
+          <p:nvPr>
+            <p:ph idx="1"/>
+          </p:nvPr>
+        </p:nvSpPr>
+        <p:spPr/>
+        <p:txBody>
+          <a:bodyPr/>
+          <a:lstStyle/>
+          <a:p>
+            <a:r>
+              <a:rPr lang="en-US" dirty="0"/>
+              <a:t>Public/Private keys can also be used in reverse.</a:t>
+            </a:r>
+          </a:p>
+          <a:p>
+            <a:pPr lvl="1"/>
+            <a:r>
+              <a:rPr lang="en-US" dirty="0"/>
+              <a:t>When using a private key to encrypt something, </a:t>
+            </a:r>
+            <a:r>
+              <a:rPr lang="en-US" i="1" dirty="0"/>
+              <a:t>anyone</a:t>
+            </a:r>
+            <a:r>
+              <a:rPr lang="en-US" dirty="0"/>
+              <a:t> with the public key can decrypt it.</a:t>
+            </a:r>
+            <a:br>
+              <a:rPr lang="en-US" dirty="0"/>
+            </a:br>
+            <a:endParaRPr lang="en-US" dirty="0"/>
+          </a:p>
+          <a:p>
+            <a:r>
+              <a:rPr lang="en-US" dirty="0"/>
+              <a:t>Signatures are based on this principle.</a:t>
+            </a:r>
+          </a:p>
+          <a:p>
+            <a:pPr lvl="1"/>
+            <a:r>
+              <a:rPr lang="en-US" dirty="0"/>
+              <a:t>Ex. I want to prove that this slideshow was created by me.</a:t>
+            </a:r>
+          </a:p>
+          <a:p>
+            <a:pPr lvl="2"/>
+            <a:r>
+              <a:rPr lang="en-US" dirty="0"/>
+              <a:t>I take a hash of the file using SHA-512 (the digital fingerprint) and </a:t>
+            </a:r>
+            <a:r>
+              <a:rPr lang="en-US" i="1" dirty="0"/>
+              <a:t>sign </a:t>
+            </a:r>
+            <a:r>
+              <a:rPr lang="en-US" dirty="0"/>
+              <a:t>it with my private key. This is known as a digital signature.</a:t>
+            </a:r>
+          </a:p>
+          <a:p>
+            <a:pPr lvl="2"/>
+            <a:r>
+              <a:rPr lang="en-US" dirty="0"/>
+              <a:t>When you receive the file, you take a hash of the file and </a:t>
+            </a:r>
+            <a:r>
+              <a:rPr lang="en-US" i="1" dirty="0"/>
+              <a:t>verify</a:t>
+            </a:r>
+            <a:r>
+              <a:rPr lang="en-US" dirty="0"/>
+              <a:t> it by decrypting the signature with my public key and comparing the two.</a:t>
+            </a:r>
+          </a:p>
+          <a:p>
+            <a:pPr lvl="2"/>
+            <a:r>
+              <a:rPr lang="en-US" dirty="0"/>
+              <a:t>If they match, you know that my private key was used to create that signature and the contents have not been modified (with a high degree of certainty).</a:t>
+            </a:r>
+          </a:p>
+        </p:txBody>
+      </p:sp>
+    </p:spTree>
+    <p:extLst>
+      <p:ext uri="{BB962C8B-B14F-4D97-AF65-F5344CB8AC3E}">
+        <p14:creationId xmlns:p14="http://schemas.microsoft.com/office/powerpoint/2010/main" val="3618490992"/>
+      </p:ext>
+    </p:extLst>
+  </p:cSld>
+  <p:clrMapOvr>
+    <a:masterClrMapping/>
+  </p:clrMapOvr>
+</p:sld>
+</file>
+
+<file path=ppt/slides/slide9.xml><?xml version="1.0" encoding="utf-8"?>
+<p:sld xmlns:a="http://schemas.openxmlformats.org/drawingml/2006/main" xmlns:r="http://schemas.openxmlformats.org/officeDocument/2006/relationships" xmlns:p="http://schemas.openxmlformats.org/presentationml/2006/main">
+  <p:cSld>
+    <p:spTree>
+      <p:nvGrpSpPr>
+        <p:cNvPr id="1" name=""/>
+        <p:cNvGrpSpPr/>
+        <p:nvPr/>
+      </p:nvGrpSpPr>
+      <p:grpSpPr>
+        <a:xfrm>
+          <a:off x="0" y="0"/>
+          <a:ext cx="0" cy="0"/>
+          <a:chOff x="0" y="0"/>
+          <a:chExt cx="0" cy="0"/>
+        </a:xfrm>
+      </p:grpSpPr>
+      <p:pic>
+        <p:nvPicPr>
+          <p:cNvPr id="4" name="Content Placeholder 3"/>
+          <p:cNvPicPr>
+            <a:picLocks noGrp="1" noChangeAspect="1"/>
+          </p:cNvPicPr>
+          <p:nvPr>
+            <p:ph type="pic" idx="1"/>
+          </p:nvPr>
+        </p:nvPicPr>
+        <p:blipFill>
+          <a:blip r:embed="rId2">
+            <a:extLst>
+              <a:ext uri="{28A0092B-C50C-407E-A947-70E740481C1C}">
+                <a14:useLocalDpi xmlns:a14="http://schemas.microsoft.com/office/drawing/2010/main" val="0"/>
+              </a:ext>
+            </a:extLst>
+          </a:blip>
+          <a:srcRect t="14223" b="14223"/>
+          <a:stretch>
+            <a:fillRect/>
+          </a:stretch>
+        </p:blipFill>
+        <p:spPr/>
+      </p:pic>
+      <p:sp>
+        <p:nvSpPr>
+          <p:cNvPr id="10" name="TextBox 9"/>
+          <p:cNvSpPr txBox="1"/>
+          <p:nvPr/>
+        </p:nvSpPr>
+        <p:spPr>
+          <a:xfrm>
+            <a:off x="2646912" y="4928838"/>
+            <a:ext cx="6890220" cy="276999"/>
+          </a:xfrm>
+          <a:prstGeom prst="rect">
+            <a:avLst/>
+          </a:prstGeom>
+          <a:noFill/>
+        </p:spPr>
+        <p:txBody>
+          <a:bodyPr wrap="none" rtlCol="0">
+            <a:spAutoFit/>
+          </a:bodyPr>
+          <a:lstStyle/>
+          <a:p>
+            <a:r>
+              <a:rPr lang="en-US" sz="1200" dirty="0">
+                <a:hlinkClick r:id="rId3"/>
+              </a:rPr>
+              <a:t>https://i0.wp.com/gwebsol.info/blog/wp-content/uploads/2016/02/digital-signature-verification.png</a:t>
+            </a:r>
+            <a:endParaRPr lang="en-US" sz="1200" dirty="0"/>
+          </a:p>
+        </p:txBody>
+      </p:sp>
+    </p:spTree>
+    <p:extLst>
+      <p:ext uri="{BB962C8B-B14F-4D97-AF65-F5344CB8AC3E}">
+        <p14:creationId xmlns:p14="http://schemas.microsoft.com/office/powerpoint/2010/main" val="4238696264"/>
       </p:ext>
     </p:extLst>
   </p:cSld>
